--- a/Prezentare Analiza Datelor-Balog David Alexandru.pptx
+++ b/Prezentare Analiza Datelor-Balog David Alexandru.pptx
@@ -109,6 +109,11 @@
       </a:defRPr>
     </a:lvl9pPr>
   </p:defaultTextStyle>
+  <p:extLst>
+    <p:ext uri="{EFAFB233-063F-42B5-8137-9DF3F51BA10A}">
+      <p15:sldGuideLst xmlns:p15="http://schemas.microsoft.com/office/powerpoint/2012/main"/>
+    </p:ext>
+  </p:extLst>
 </p:presentation>
 </file>
 
@@ -259,7 +264,7 @@
           <a:p>
             <a:fld id="{2EF02B6F-6441-455B-B08F-9493D5084239}" type="datetimeFigureOut">
               <a:rPr lang="en-US" smtClean="0"/>
-              <a:t>5/29/2024</a:t>
+              <a:t>5/30/2024</a:t>
             </a:fld>
             <a:endParaRPr lang="en-US"/>
           </a:p>
@@ -457,7 +462,7 @@
           <a:p>
             <a:fld id="{2EF02B6F-6441-455B-B08F-9493D5084239}" type="datetimeFigureOut">
               <a:rPr lang="en-US" smtClean="0"/>
-              <a:t>5/29/2024</a:t>
+              <a:t>5/30/2024</a:t>
             </a:fld>
             <a:endParaRPr lang="en-US"/>
           </a:p>
@@ -665,7 +670,7 @@
           <a:p>
             <a:fld id="{2EF02B6F-6441-455B-B08F-9493D5084239}" type="datetimeFigureOut">
               <a:rPr lang="en-US" smtClean="0"/>
-              <a:t>5/29/2024</a:t>
+              <a:t>5/30/2024</a:t>
             </a:fld>
             <a:endParaRPr lang="en-US"/>
           </a:p>
@@ -863,7 +868,7 @@
           <a:p>
             <a:fld id="{2EF02B6F-6441-455B-B08F-9493D5084239}" type="datetimeFigureOut">
               <a:rPr lang="en-US" smtClean="0"/>
-              <a:t>5/29/2024</a:t>
+              <a:t>5/30/2024</a:t>
             </a:fld>
             <a:endParaRPr lang="en-US"/>
           </a:p>
@@ -1138,7 +1143,7 @@
           <a:p>
             <a:fld id="{2EF02B6F-6441-455B-B08F-9493D5084239}" type="datetimeFigureOut">
               <a:rPr lang="en-US" smtClean="0"/>
-              <a:t>5/29/2024</a:t>
+              <a:t>5/30/2024</a:t>
             </a:fld>
             <a:endParaRPr lang="en-US"/>
           </a:p>
@@ -1403,7 +1408,7 @@
           <a:p>
             <a:fld id="{2EF02B6F-6441-455B-B08F-9493D5084239}" type="datetimeFigureOut">
               <a:rPr lang="en-US" smtClean="0"/>
-              <a:t>5/29/2024</a:t>
+              <a:t>5/30/2024</a:t>
             </a:fld>
             <a:endParaRPr lang="en-US"/>
           </a:p>
@@ -1815,7 +1820,7 @@
           <a:p>
             <a:fld id="{2EF02B6F-6441-455B-B08F-9493D5084239}" type="datetimeFigureOut">
               <a:rPr lang="en-US" smtClean="0"/>
-              <a:t>5/29/2024</a:t>
+              <a:t>5/30/2024</a:t>
             </a:fld>
             <a:endParaRPr lang="en-US"/>
           </a:p>
@@ -1956,7 +1961,7 @@
           <a:p>
             <a:fld id="{2EF02B6F-6441-455B-B08F-9493D5084239}" type="datetimeFigureOut">
               <a:rPr lang="en-US" smtClean="0"/>
-              <a:t>5/29/2024</a:t>
+              <a:t>5/30/2024</a:t>
             </a:fld>
             <a:endParaRPr lang="en-US"/>
           </a:p>
@@ -2069,7 +2074,7 @@
           <a:p>
             <a:fld id="{2EF02B6F-6441-455B-B08F-9493D5084239}" type="datetimeFigureOut">
               <a:rPr lang="en-US" smtClean="0"/>
-              <a:t>5/29/2024</a:t>
+              <a:t>5/30/2024</a:t>
             </a:fld>
             <a:endParaRPr lang="en-US"/>
           </a:p>
@@ -2380,7 +2385,7 @@
           <a:p>
             <a:fld id="{2EF02B6F-6441-455B-B08F-9493D5084239}" type="datetimeFigureOut">
               <a:rPr lang="en-US" smtClean="0"/>
-              <a:t>5/29/2024</a:t>
+              <a:t>5/30/2024</a:t>
             </a:fld>
             <a:endParaRPr lang="en-US"/>
           </a:p>
@@ -2668,7 +2673,7 @@
           <a:p>
             <a:fld id="{2EF02B6F-6441-455B-B08F-9493D5084239}" type="datetimeFigureOut">
               <a:rPr lang="en-US" smtClean="0"/>
-              <a:t>5/29/2024</a:t>
+              <a:t>5/30/2024</a:t>
             </a:fld>
             <a:endParaRPr lang="en-US"/>
           </a:p>
@@ -2909,7 +2914,7 @@
           <a:p>
             <a:fld id="{2EF02B6F-6441-455B-B08F-9493D5084239}" type="datetimeFigureOut">
               <a:rPr lang="en-US" smtClean="0"/>
-              <a:t>5/29/2024</a:t>
+              <a:t>5/30/2024</a:t>
             </a:fld>
             <a:endParaRPr lang="en-US"/>
           </a:p>
@@ -3355,7 +3360,9 @@
           <a:lstStyle/>
           <a:p>
             <a:r>
-              <a:rPr lang="ro-RO" dirty="0"/>
+              <a:rPr lang="ro-RO" dirty="0">
+                <a:latin typeface="+mj-lt"/>
+              </a:rPr>
               <a:t>Analiza Datelor</a:t>
             </a:r>
           </a:p>
@@ -3372,17 +3379,23 @@
           <a:p>
             <a:pPr algn="r"/>
             <a:r>
-              <a:rPr lang="ro-RO" dirty="0"/>
+              <a:rPr lang="ro-RO" dirty="0">
+                <a:latin typeface="+mj-lt"/>
+              </a:rPr>
               <a:t>Balog David Alexandru</a:t>
             </a:r>
           </a:p>
           <a:p>
             <a:pPr algn="r"/>
             <a:r>
-              <a:rPr lang="ro-RO" dirty="0"/>
+              <a:rPr lang="ro-RO" dirty="0">
+                <a:latin typeface="+mj-lt"/>
+              </a:rPr>
               <a:t>ICALL3</a:t>
             </a:r>
-            <a:endParaRPr lang="en-US" dirty="0"/>
+            <a:endParaRPr lang="en-US" dirty="0">
+              <a:latin typeface="+mj-lt"/>
+            </a:endParaRPr>
           </a:p>
         </p:txBody>
       </p:sp>
@@ -3428,6 +3441,7 @@
                     </a:schemeClr>
                   </a:outerShdw>
                 </a:effectLst>
+                <a:latin typeface="+mj-lt"/>
               </a:rPr>
               <a:t>Carbon Footprint</a:t>
             </a:r>
@@ -3443,6 +3457,7 @@
                   </a:schemeClr>
                 </a:outerShdw>
               </a:effectLst>
+              <a:latin typeface="+mj-lt"/>
             </a:endParaRPr>
           </a:p>
         </p:txBody>
@@ -3493,14 +3508,19 @@
             <p:ph type="title"/>
           </p:nvPr>
         </p:nvSpPr>
-        <p:spPr/>
+        <p:spPr>
+          <a:xfrm>
+            <a:off x="0" y="0"/>
+            <a:ext cx="3092116" cy="1325563"/>
+          </a:xfrm>
+        </p:spPr>
         <p:txBody>
           <a:bodyPr/>
           <a:lstStyle/>
           <a:p>
             <a:r>
               <a:rPr lang="ro-RO" dirty="0"/>
-              <a:t>Introducere, Tema Aleasă, Motivatia</a:t>
+              <a:t>Introducere</a:t>
             </a:r>
             <a:endParaRPr lang="en-US" dirty="0"/>
           </a:p>
@@ -3522,12 +3542,567 @@
             <p:ph idx="1"/>
           </p:nvPr>
         </p:nvSpPr>
-        <p:spPr/>
+        <p:spPr>
+          <a:xfrm>
+            <a:off x="838200" y="1825624"/>
+            <a:ext cx="10515600" cy="4803775"/>
+          </a:xfrm>
+        </p:spPr>
         <p:txBody>
-          <a:bodyPr/>
+          <a:bodyPr>
+            <a:normAutofit/>
+          </a:bodyPr>
           <a:lstStyle/>
           <a:p>
-            <a:endParaRPr lang="en-US"/>
+            <a:pPr marL="0" indent="0">
+              <a:buNone/>
+            </a:pPr>
+            <a:r>
+              <a:rPr lang="ro-RO" b="1" dirty="0">
+                <a:latin typeface="+mj-lt"/>
+              </a:rPr>
+              <a:t>Ce este amprenta de carbon?</a:t>
+            </a:r>
+          </a:p>
+          <a:p>
+            <a:pPr marL="0" indent="0">
+              <a:buNone/>
+            </a:pPr>
+            <a:r>
+              <a:rPr lang="ro-RO" dirty="0">
+                <a:latin typeface="+mj-lt"/>
+              </a:rPr>
+              <a:t>	</a:t>
+            </a:r>
+            <a:r>
+              <a:rPr lang="en-US" dirty="0" err="1">
+                <a:latin typeface="+mj-lt"/>
+              </a:rPr>
+              <a:t>Amprenta</a:t>
+            </a:r>
+            <a:r>
+              <a:rPr lang="en-US" dirty="0">
+                <a:latin typeface="+mj-lt"/>
+              </a:rPr>
+              <a:t> de carbon, </a:t>
+            </a:r>
+            <a:r>
+              <a:rPr lang="en-US" dirty="0" err="1">
+                <a:latin typeface="+mj-lt"/>
+              </a:rPr>
+              <a:t>denumită</a:t>
+            </a:r>
+            <a:r>
+              <a:rPr lang="en-US" dirty="0">
+                <a:latin typeface="+mj-lt"/>
+              </a:rPr>
+              <a:t> </a:t>
+            </a:r>
+            <a:r>
+              <a:rPr lang="en-US" dirty="0" err="1">
+                <a:latin typeface="+mj-lt"/>
+              </a:rPr>
+              <a:t>și</a:t>
+            </a:r>
+            <a:r>
+              <a:rPr lang="en-US" dirty="0">
+                <a:latin typeface="+mj-lt"/>
+              </a:rPr>
+              <a:t> </a:t>
+            </a:r>
+            <a:r>
+              <a:rPr lang="en-US" dirty="0" err="1">
+                <a:latin typeface="+mj-lt"/>
+              </a:rPr>
+              <a:t>amprenta</a:t>
+            </a:r>
+            <a:r>
+              <a:rPr lang="en-US" dirty="0">
+                <a:latin typeface="+mj-lt"/>
+              </a:rPr>
+              <a:t> CO2, </a:t>
+            </a:r>
+            <a:r>
+              <a:rPr lang="en-US" dirty="0" err="1">
+                <a:latin typeface="+mj-lt"/>
+              </a:rPr>
+              <a:t>reprezintă</a:t>
+            </a:r>
+            <a:r>
+              <a:rPr lang="en-US" dirty="0">
+                <a:latin typeface="+mj-lt"/>
+              </a:rPr>
+              <a:t> </a:t>
+            </a:r>
+            <a:r>
+              <a:rPr lang="en-US" dirty="0" err="1">
+                <a:latin typeface="+mj-lt"/>
+              </a:rPr>
+              <a:t>emisiile</a:t>
+            </a:r>
+            <a:r>
+              <a:rPr lang="en-US" dirty="0">
+                <a:latin typeface="+mj-lt"/>
+              </a:rPr>
+              <a:t> </a:t>
+            </a:r>
+            <a:r>
+              <a:rPr lang="en-US" dirty="0" err="1">
+                <a:latin typeface="+mj-lt"/>
+              </a:rPr>
+              <a:t>totale</a:t>
+            </a:r>
+            <a:r>
+              <a:rPr lang="en-US" dirty="0">
+                <a:latin typeface="+mj-lt"/>
+              </a:rPr>
+              <a:t> de gaze cu </a:t>
+            </a:r>
+            <a:r>
+              <a:rPr lang="en-US" dirty="0" err="1">
+                <a:latin typeface="+mj-lt"/>
+              </a:rPr>
+              <a:t>efect</a:t>
+            </a:r>
+            <a:r>
+              <a:rPr lang="en-US" dirty="0">
+                <a:latin typeface="+mj-lt"/>
+              </a:rPr>
+              <a:t> de </a:t>
+            </a:r>
+            <a:r>
+              <a:rPr lang="en-US" dirty="0" err="1">
+                <a:latin typeface="+mj-lt"/>
+              </a:rPr>
+              <a:t>seră</a:t>
+            </a:r>
+            <a:r>
+              <a:rPr lang="en-US" dirty="0">
+                <a:latin typeface="+mj-lt"/>
+              </a:rPr>
+              <a:t> pe care o </a:t>
+            </a:r>
+            <a:r>
+              <a:rPr lang="en-US" dirty="0" err="1">
+                <a:latin typeface="+mj-lt"/>
+              </a:rPr>
+              <a:t>organizație</a:t>
+            </a:r>
+            <a:r>
+              <a:rPr lang="en-US" dirty="0">
+                <a:latin typeface="+mj-lt"/>
+              </a:rPr>
+              <a:t>, un </a:t>
+            </a:r>
+            <a:r>
+              <a:rPr lang="en-US" dirty="0" err="1">
+                <a:latin typeface="+mj-lt"/>
+              </a:rPr>
+              <a:t>eveniment</a:t>
+            </a:r>
+            <a:r>
+              <a:rPr lang="en-US" dirty="0">
+                <a:latin typeface="+mj-lt"/>
+              </a:rPr>
+              <a:t>, </a:t>
+            </a:r>
+            <a:r>
+              <a:rPr lang="en-US" dirty="0" err="1">
+                <a:latin typeface="+mj-lt"/>
+              </a:rPr>
+              <a:t>produs</a:t>
+            </a:r>
+            <a:r>
+              <a:rPr lang="en-US" dirty="0">
+                <a:latin typeface="+mj-lt"/>
+              </a:rPr>
+              <a:t> </a:t>
+            </a:r>
+            <a:r>
+              <a:rPr lang="en-US" dirty="0" err="1">
+                <a:latin typeface="+mj-lt"/>
+              </a:rPr>
+              <a:t>sau</a:t>
+            </a:r>
+            <a:r>
+              <a:rPr lang="en-US" dirty="0">
+                <a:latin typeface="+mj-lt"/>
+              </a:rPr>
+              <a:t> o </a:t>
+            </a:r>
+            <a:r>
+              <a:rPr lang="en-US" dirty="0" err="1">
+                <a:latin typeface="+mj-lt"/>
+              </a:rPr>
+              <a:t>persoană</a:t>
+            </a:r>
+            <a:r>
+              <a:rPr lang="en-US" dirty="0">
+                <a:latin typeface="+mj-lt"/>
+              </a:rPr>
+              <a:t> le produce </a:t>
+            </a:r>
+            <a:r>
+              <a:rPr lang="en-US" dirty="0" err="1">
+                <a:latin typeface="+mj-lt"/>
+              </a:rPr>
+              <a:t>într</a:t>
+            </a:r>
+            <a:r>
+              <a:rPr lang="en-US" dirty="0">
+                <a:latin typeface="+mj-lt"/>
+              </a:rPr>
+              <a:t>-un </a:t>
+            </a:r>
+            <a:r>
+              <a:rPr lang="en-US" dirty="0" err="1">
+                <a:latin typeface="+mj-lt"/>
+              </a:rPr>
+              <a:t>anumit</a:t>
+            </a:r>
+            <a:r>
+              <a:rPr lang="en-US" dirty="0">
+                <a:latin typeface="+mj-lt"/>
+              </a:rPr>
+              <a:t> interval de </a:t>
+            </a:r>
+            <a:r>
+              <a:rPr lang="en-US" dirty="0" err="1">
+                <a:latin typeface="+mj-lt"/>
+              </a:rPr>
+              <a:t>timp.</a:t>
+            </a:r>
+            <a:endParaRPr lang="ro-RO" dirty="0">
+              <a:latin typeface="+mj-lt"/>
+            </a:endParaRPr>
+          </a:p>
+          <a:p>
+            <a:pPr marL="0" indent="0">
+              <a:buNone/>
+            </a:pPr>
+            <a:r>
+              <a:rPr lang="ro-RO" b="1" dirty="0">
+                <a:latin typeface="+mj-lt"/>
+              </a:rPr>
+              <a:t>Motivația alegerii temei</a:t>
+            </a:r>
+          </a:p>
+          <a:p>
+            <a:pPr marL="0" indent="0">
+              <a:buNone/>
+            </a:pPr>
+            <a:r>
+              <a:rPr lang="ro-RO" dirty="0">
+                <a:latin typeface="+mj-lt"/>
+              </a:rPr>
+              <a:t>	</a:t>
+            </a:r>
+            <a:r>
+              <a:rPr lang="en-US" dirty="0">
+                <a:latin typeface="+mj-lt"/>
+              </a:rPr>
+              <a:t>Am ales </a:t>
+            </a:r>
+            <a:r>
+              <a:rPr lang="en-US" dirty="0" err="1">
+                <a:latin typeface="+mj-lt"/>
+              </a:rPr>
+              <a:t>această</a:t>
+            </a:r>
+            <a:r>
+              <a:rPr lang="en-US" dirty="0">
+                <a:latin typeface="+mj-lt"/>
+              </a:rPr>
+              <a:t> </a:t>
+            </a:r>
+            <a:r>
+              <a:rPr lang="en-US" dirty="0" err="1">
+                <a:latin typeface="+mj-lt"/>
+              </a:rPr>
+              <a:t>bază</a:t>
+            </a:r>
+            <a:r>
+              <a:rPr lang="en-US" dirty="0">
+                <a:latin typeface="+mj-lt"/>
+              </a:rPr>
+              <a:t> de date </a:t>
+            </a:r>
+            <a:r>
+              <a:rPr lang="en-US" dirty="0" err="1">
+                <a:latin typeface="+mj-lt"/>
+              </a:rPr>
+              <a:t>deoarece</a:t>
+            </a:r>
+            <a:r>
+              <a:rPr lang="en-US" dirty="0">
+                <a:latin typeface="+mj-lt"/>
+              </a:rPr>
+              <a:t> </a:t>
+            </a:r>
+            <a:r>
+              <a:rPr lang="en-US" dirty="0" err="1">
+                <a:latin typeface="+mj-lt"/>
+              </a:rPr>
+              <a:t>selecția</a:t>
+            </a:r>
+            <a:r>
+              <a:rPr lang="en-US" dirty="0">
+                <a:latin typeface="+mj-lt"/>
+              </a:rPr>
+              <a:t> de date </a:t>
+            </a:r>
+            <a:r>
+              <a:rPr lang="en-US" dirty="0" err="1">
+                <a:latin typeface="+mj-lt"/>
+              </a:rPr>
+              <a:t>este</a:t>
+            </a:r>
+            <a:r>
+              <a:rPr lang="en-US" dirty="0">
+                <a:latin typeface="+mj-lt"/>
+              </a:rPr>
+              <a:t> </a:t>
+            </a:r>
+            <a:r>
+              <a:rPr lang="en-US" dirty="0" err="1">
+                <a:latin typeface="+mj-lt"/>
+              </a:rPr>
+              <a:t>foarte</a:t>
+            </a:r>
+            <a:r>
+              <a:rPr lang="en-US" dirty="0">
+                <a:latin typeface="+mj-lt"/>
+              </a:rPr>
+              <a:t> </a:t>
+            </a:r>
+            <a:r>
+              <a:rPr lang="en-US" dirty="0" err="1">
+                <a:latin typeface="+mj-lt"/>
+              </a:rPr>
+              <a:t>bună</a:t>
+            </a:r>
+            <a:r>
+              <a:rPr lang="en-US" dirty="0">
+                <a:latin typeface="+mj-lt"/>
+              </a:rPr>
+              <a:t> </a:t>
+            </a:r>
+            <a:r>
+              <a:rPr lang="en-US" dirty="0" err="1">
+                <a:latin typeface="+mj-lt"/>
+              </a:rPr>
+              <a:t>în</a:t>
+            </a:r>
+            <a:r>
+              <a:rPr lang="en-US" dirty="0">
+                <a:latin typeface="+mj-lt"/>
+              </a:rPr>
+              <a:t> </a:t>
+            </a:r>
+            <a:r>
+              <a:rPr lang="en-US" dirty="0" err="1">
+                <a:latin typeface="+mj-lt"/>
+              </a:rPr>
+              <a:t>contextul</a:t>
+            </a:r>
+            <a:r>
+              <a:rPr lang="en-US" dirty="0">
+                <a:latin typeface="+mj-lt"/>
+              </a:rPr>
+              <a:t> </a:t>
+            </a:r>
+            <a:r>
+              <a:rPr lang="en-US" dirty="0" err="1">
+                <a:latin typeface="+mj-lt"/>
+              </a:rPr>
+              <a:t>proiectului</a:t>
+            </a:r>
+            <a:r>
+              <a:rPr lang="en-US" dirty="0">
+                <a:latin typeface="+mj-lt"/>
+              </a:rPr>
+              <a:t>, </a:t>
+            </a:r>
+            <a:r>
+              <a:rPr lang="en-US" dirty="0" err="1">
+                <a:latin typeface="+mj-lt"/>
+              </a:rPr>
+              <a:t>oferind</a:t>
+            </a:r>
+            <a:r>
+              <a:rPr lang="en-US" dirty="0">
+                <a:latin typeface="+mj-lt"/>
+              </a:rPr>
+              <a:t> o imagine </a:t>
+            </a:r>
+            <a:r>
+              <a:rPr lang="en-US" dirty="0" err="1">
+                <a:latin typeface="+mj-lt"/>
+              </a:rPr>
+              <a:t>detaliată</a:t>
+            </a:r>
+            <a:r>
+              <a:rPr lang="en-US" dirty="0">
+                <a:latin typeface="+mj-lt"/>
+              </a:rPr>
+              <a:t> a </a:t>
+            </a:r>
+            <a:r>
+              <a:rPr lang="en-US" dirty="0" err="1">
+                <a:latin typeface="+mj-lt"/>
+              </a:rPr>
+              <a:t>diferiților</a:t>
+            </a:r>
+            <a:r>
+              <a:rPr lang="en-US" dirty="0">
+                <a:latin typeface="+mj-lt"/>
+              </a:rPr>
+              <a:t> </a:t>
+            </a:r>
+            <a:r>
+              <a:rPr lang="en-US" dirty="0" err="1">
+                <a:latin typeface="+mj-lt"/>
+              </a:rPr>
+              <a:t>factori</a:t>
+            </a:r>
+            <a:r>
+              <a:rPr lang="en-US" dirty="0">
+                <a:latin typeface="+mj-lt"/>
+              </a:rPr>
+              <a:t> care </a:t>
+            </a:r>
+            <a:r>
+              <a:rPr lang="en-US" dirty="0" err="1">
+                <a:latin typeface="+mj-lt"/>
+              </a:rPr>
+              <a:t>contribuie</a:t>
+            </a:r>
+            <a:r>
+              <a:rPr lang="en-US" dirty="0">
+                <a:latin typeface="+mj-lt"/>
+              </a:rPr>
+              <a:t> la </a:t>
+            </a:r>
+            <a:r>
+              <a:rPr lang="en-US" dirty="0" err="1">
+                <a:latin typeface="+mj-lt"/>
+              </a:rPr>
+              <a:t>emisiile</a:t>
+            </a:r>
+            <a:r>
+              <a:rPr lang="en-US" dirty="0">
+                <a:latin typeface="+mj-lt"/>
+              </a:rPr>
+              <a:t> de carbon. </a:t>
+            </a:r>
+            <a:r>
+              <a:rPr lang="en-US" dirty="0" err="1">
+                <a:latin typeface="+mj-lt"/>
+              </a:rPr>
+              <a:t>Fiecare</a:t>
+            </a:r>
+            <a:r>
+              <a:rPr lang="en-US" dirty="0">
+                <a:latin typeface="+mj-lt"/>
+              </a:rPr>
+              <a:t> </a:t>
+            </a:r>
+            <a:r>
+              <a:rPr lang="en-US" dirty="0" err="1">
+                <a:latin typeface="+mj-lt"/>
+              </a:rPr>
+              <a:t>coloană</a:t>
+            </a:r>
+            <a:r>
+              <a:rPr lang="en-US" dirty="0">
+                <a:latin typeface="+mj-lt"/>
+              </a:rPr>
+              <a:t> </a:t>
+            </a:r>
+            <a:r>
+              <a:rPr lang="en-US" dirty="0" err="1">
+                <a:latin typeface="+mj-lt"/>
+              </a:rPr>
+              <a:t>reprezintă</a:t>
+            </a:r>
+            <a:r>
+              <a:rPr lang="en-US" dirty="0">
+                <a:latin typeface="+mj-lt"/>
+              </a:rPr>
+              <a:t> un aspect important al </a:t>
+            </a:r>
+            <a:r>
+              <a:rPr lang="en-US" dirty="0" err="1">
+                <a:latin typeface="+mj-lt"/>
+              </a:rPr>
+              <a:t>vieții</a:t>
+            </a:r>
+            <a:r>
+              <a:rPr lang="en-US" dirty="0">
+                <a:latin typeface="+mj-lt"/>
+              </a:rPr>
+              <a:t> de zi cu zi care </a:t>
+            </a:r>
+            <a:r>
+              <a:rPr lang="en-US" dirty="0" err="1">
+                <a:latin typeface="+mj-lt"/>
+              </a:rPr>
+              <a:t>poate</a:t>
+            </a:r>
+            <a:r>
+              <a:rPr lang="en-US" dirty="0">
+                <a:latin typeface="+mj-lt"/>
+              </a:rPr>
+              <a:t> </a:t>
+            </a:r>
+            <a:r>
+              <a:rPr lang="en-US" dirty="0" err="1">
+                <a:latin typeface="+mj-lt"/>
+              </a:rPr>
+              <a:t>influența</a:t>
+            </a:r>
+            <a:r>
+              <a:rPr lang="en-US" dirty="0">
+                <a:latin typeface="+mj-lt"/>
+              </a:rPr>
+              <a:t> </a:t>
+            </a:r>
+            <a:r>
+              <a:rPr lang="en-US" dirty="0" err="1">
+                <a:latin typeface="+mj-lt"/>
+              </a:rPr>
+              <a:t>amprenta</a:t>
+            </a:r>
+            <a:r>
+              <a:rPr lang="en-US" dirty="0">
+                <a:latin typeface="+mj-lt"/>
+              </a:rPr>
+              <a:t> de carbon a </a:t>
+            </a:r>
+            <a:r>
+              <a:rPr lang="en-US" dirty="0" err="1">
+                <a:latin typeface="+mj-lt"/>
+              </a:rPr>
+              <a:t>unui</a:t>
+            </a:r>
+            <a:r>
+              <a:rPr lang="en-US" dirty="0">
+                <a:latin typeface="+mj-lt"/>
+              </a:rPr>
+              <a:t> </a:t>
+            </a:r>
+            <a:r>
+              <a:rPr lang="en-US" dirty="0" err="1">
+                <a:latin typeface="+mj-lt"/>
+              </a:rPr>
+              <a:t>individ</a:t>
+            </a:r>
+            <a:r>
+              <a:rPr lang="en-US" dirty="0">
+                <a:latin typeface="+mj-lt"/>
+              </a:rPr>
+              <a:t>.  </a:t>
+            </a:r>
           </a:p>
         </p:txBody>
       </p:sp>
@@ -3577,14 +4152,19 @@
             <p:ph type="title"/>
           </p:nvPr>
         </p:nvSpPr>
-        <p:spPr/>
+        <p:spPr>
+          <a:xfrm>
+            <a:off x="0" y="0"/>
+            <a:ext cx="4567488" cy="745958"/>
+          </a:xfrm>
+        </p:spPr>
         <p:txBody>
           <a:bodyPr/>
           <a:lstStyle/>
           <a:p>
             <a:r>
               <a:rPr lang="ro-RO" dirty="0"/>
-              <a:t>Prezentarea Bazei de Date, Campuri</a:t>
+              <a:t>Prezentarea Bazei de Date</a:t>
             </a:r>
             <a:endParaRPr lang="en-US" dirty="0"/>
           </a:p>
@@ -3592,10 +4172,10 @@
       </p:sp>
       <p:sp>
         <p:nvSpPr>
-          <p:cNvPr id="3" name="Content Placeholder 2">
-            <a:extLst>
-              <a:ext uri="{FF2B5EF4-FFF2-40B4-BE49-F238E27FC236}">
-                <a16:creationId xmlns:a16="http://schemas.microsoft.com/office/drawing/2014/main" id="{29703F74-1FBD-981C-59E4-E1C6BB632445}"/>
+          <p:cNvPr id="5" name="Text Placeholder 4">
+            <a:extLst>
+              <a:ext uri="{FF2B5EF4-FFF2-40B4-BE49-F238E27FC236}">
+                <a16:creationId xmlns:a16="http://schemas.microsoft.com/office/drawing/2014/main" id="{DAE15C0D-F79C-6134-C0C6-4B0D0A6B68DB}"/>
               </a:ext>
             </a:extLst>
           </p:cNvPr>
@@ -3603,18 +4183,467 @@
             <a:spLocks noGrp="1"/>
           </p:cNvSpPr>
           <p:nvPr>
-            <p:ph idx="1"/>
+            <p:ph type="body" sz="half" idx="2"/>
           </p:nvPr>
         </p:nvSpPr>
-        <p:spPr/>
+        <p:spPr>
+          <a:xfrm>
+            <a:off x="96252" y="861467"/>
+            <a:ext cx="2478506" cy="5804028"/>
+          </a:xfrm>
+        </p:spPr>
         <p:txBody>
-          <a:bodyPr/>
+          <a:bodyPr>
+            <a:noAutofit/>
+          </a:bodyPr>
           <a:lstStyle/>
           <a:p>
-            <a:endParaRPr lang="en-US"/>
+            <a:r>
+              <a:rPr lang="en-US" sz="2000" b="1" dirty="0"/>
+              <a:t>Campuri:</a:t>
+            </a:r>
+            <a:endParaRPr lang="ro-RO" sz="2000" b="1" dirty="0"/>
+          </a:p>
+          <a:p>
+            <a:pPr marL="285750" indent="-285750">
+              <a:buFont typeface="Wingdings" panose="05000000000000000000" pitchFamily="2" charset="2"/>
+              <a:buChar char="q"/>
+            </a:pPr>
+            <a:r>
+              <a:rPr lang="en-US" sz="1800" b="1" dirty="0">
+                <a:latin typeface="+mj-lt"/>
+              </a:rPr>
+              <a:t>Date</a:t>
+            </a:r>
+            <a:r>
+              <a:rPr lang="ro-RO" sz="1800" b="1" dirty="0">
+                <a:latin typeface="+mj-lt"/>
+              </a:rPr>
+              <a:t>le</a:t>
+            </a:r>
+            <a:r>
+              <a:rPr lang="en-US" sz="1800" b="1" dirty="0">
+                <a:latin typeface="+mj-lt"/>
+              </a:rPr>
+              <a:t> demografice:</a:t>
+            </a:r>
+            <a:r>
+              <a:rPr lang="en-US" sz="1800" dirty="0">
+                <a:latin typeface="+mj-lt"/>
+              </a:rPr>
+              <a:t> Tip de </a:t>
+            </a:r>
+            <a:r>
+              <a:rPr lang="ro-RO" sz="1800" noProof="1">
+                <a:latin typeface="+mj-lt"/>
+              </a:rPr>
+              <a:t>corp</a:t>
+            </a:r>
+            <a:r>
+              <a:rPr lang="en-US" sz="1800" dirty="0">
+                <a:latin typeface="+mj-lt"/>
+              </a:rPr>
+              <a:t>, sex, </a:t>
+            </a:r>
+            <a:r>
+              <a:rPr lang="ro-RO" sz="1800" noProof="1">
+                <a:latin typeface="+mj-lt"/>
+              </a:rPr>
+              <a:t>dieta</a:t>
+            </a:r>
+            <a:r>
+              <a:rPr lang="en-US" sz="1800" dirty="0">
+                <a:latin typeface="+mj-lt"/>
+              </a:rPr>
+              <a:t>.</a:t>
+            </a:r>
+          </a:p>
+          <a:p>
+            <a:pPr marL="285750" indent="-285750">
+              <a:buFont typeface="Wingdings" panose="05000000000000000000" pitchFamily="2" charset="2"/>
+              <a:buChar char="q"/>
+            </a:pPr>
+            <a:r>
+              <a:rPr lang="en-US" sz="1800" b="1" dirty="0" err="1">
+                <a:latin typeface="+mj-lt"/>
+              </a:rPr>
+              <a:t>Activități</a:t>
+            </a:r>
+            <a:r>
+              <a:rPr lang="ro-RO" sz="1800" b="1" dirty="0">
+                <a:latin typeface="+mj-lt"/>
+              </a:rPr>
+              <a:t>le</a:t>
+            </a:r>
+            <a:r>
+              <a:rPr lang="en-US" sz="1800" b="1" dirty="0">
+                <a:latin typeface="+mj-lt"/>
+              </a:rPr>
+              <a:t> </a:t>
+            </a:r>
+            <a:r>
+              <a:rPr lang="en-US" sz="1800" b="1" dirty="0" err="1">
+                <a:latin typeface="+mj-lt"/>
+              </a:rPr>
+              <a:t>zilnice</a:t>
+            </a:r>
+            <a:r>
+              <a:rPr lang="en-US" sz="1800" b="1" dirty="0">
+                <a:latin typeface="+mj-lt"/>
+              </a:rPr>
+              <a:t>:</a:t>
+            </a:r>
+            <a:r>
+              <a:rPr lang="en-US" sz="1800" dirty="0">
+                <a:latin typeface="+mj-lt"/>
+              </a:rPr>
+              <a:t> </a:t>
+            </a:r>
+            <a:r>
+              <a:rPr lang="en-US" sz="1800" dirty="0" err="1">
+                <a:latin typeface="+mj-lt"/>
+              </a:rPr>
+              <a:t>Frecvența</a:t>
+            </a:r>
+            <a:r>
+              <a:rPr lang="en-US" sz="1800" dirty="0">
+                <a:latin typeface="+mj-lt"/>
+              </a:rPr>
+              <a:t> </a:t>
+            </a:r>
+            <a:r>
+              <a:rPr lang="en-US" sz="1800" dirty="0" err="1">
+                <a:latin typeface="+mj-lt"/>
+              </a:rPr>
+              <a:t>dușului</a:t>
+            </a:r>
+            <a:r>
+              <a:rPr lang="en-US" sz="1800" dirty="0">
+                <a:latin typeface="+mj-lt"/>
+              </a:rPr>
+              <a:t>, </a:t>
+            </a:r>
+            <a:r>
+              <a:rPr lang="en-US" sz="1800" dirty="0" err="1">
+                <a:latin typeface="+mj-lt"/>
+              </a:rPr>
+              <a:t>mijloace</a:t>
+            </a:r>
+            <a:r>
+              <a:rPr lang="en-US" sz="1800" dirty="0">
+                <a:latin typeface="+mj-lt"/>
+              </a:rPr>
+              <a:t> de transport, </a:t>
+            </a:r>
+            <a:r>
+              <a:rPr lang="en-US" sz="1800" dirty="0" err="1">
+                <a:latin typeface="+mj-lt"/>
+              </a:rPr>
+              <a:t>dimensiunea</a:t>
+            </a:r>
+            <a:r>
+              <a:rPr lang="en-US" sz="1800" dirty="0">
+                <a:latin typeface="+mj-lt"/>
+              </a:rPr>
+              <a:t> </a:t>
+            </a:r>
+            <a:r>
+              <a:rPr lang="en-US" sz="1800" dirty="0" err="1">
+                <a:latin typeface="+mj-lt"/>
+              </a:rPr>
+              <a:t>sacului</a:t>
+            </a:r>
+            <a:r>
+              <a:rPr lang="en-US" sz="1800" dirty="0">
+                <a:latin typeface="+mj-lt"/>
+              </a:rPr>
+              <a:t> de </a:t>
+            </a:r>
+            <a:r>
+              <a:rPr lang="en-US" sz="1800" dirty="0" err="1">
+                <a:latin typeface="+mj-lt"/>
+              </a:rPr>
+              <a:t>gunoi</a:t>
+            </a:r>
+            <a:r>
+              <a:rPr lang="en-US" sz="1800" dirty="0">
+                <a:latin typeface="+mj-lt"/>
+              </a:rPr>
+              <a:t>.</a:t>
+            </a:r>
+          </a:p>
+          <a:p>
+            <a:pPr marL="285750" indent="-285750">
+              <a:buFont typeface="Wingdings" panose="05000000000000000000" pitchFamily="2" charset="2"/>
+              <a:buChar char="q"/>
+            </a:pPr>
+            <a:r>
+              <a:rPr lang="en-US" sz="1800" b="1" dirty="0" err="1">
+                <a:latin typeface="+mj-lt"/>
+              </a:rPr>
+              <a:t>Consumul</a:t>
+            </a:r>
+            <a:r>
+              <a:rPr lang="en-US" sz="1800" b="1" dirty="0">
+                <a:latin typeface="+mj-lt"/>
+              </a:rPr>
+              <a:t> de </a:t>
+            </a:r>
+            <a:r>
+              <a:rPr lang="en-US" sz="1800" b="1" dirty="0" err="1">
+                <a:latin typeface="+mj-lt"/>
+              </a:rPr>
+              <a:t>resurse</a:t>
+            </a:r>
+            <a:r>
+              <a:rPr lang="en-US" sz="1800" b="1" dirty="0">
+                <a:latin typeface="+mj-lt"/>
+              </a:rPr>
+              <a:t>:</a:t>
+            </a:r>
+            <a:r>
+              <a:rPr lang="en-US" sz="1800" dirty="0">
+                <a:latin typeface="+mj-lt"/>
+              </a:rPr>
+              <a:t> </a:t>
+            </a:r>
+            <a:r>
+              <a:rPr lang="en-US" sz="1800" dirty="0" err="1">
+                <a:latin typeface="+mj-lt"/>
+              </a:rPr>
+              <a:t>Sursa</a:t>
+            </a:r>
+            <a:r>
+              <a:rPr lang="en-US" sz="1800" dirty="0">
+                <a:latin typeface="+mj-lt"/>
+              </a:rPr>
+              <a:t> de </a:t>
+            </a:r>
+            <a:r>
+              <a:rPr lang="en-US" sz="1800" dirty="0" err="1">
+                <a:latin typeface="+mj-lt"/>
+              </a:rPr>
+              <a:t>energie</a:t>
+            </a:r>
+            <a:r>
+              <a:rPr lang="en-US" sz="1800" dirty="0">
+                <a:latin typeface="+mj-lt"/>
+              </a:rPr>
+              <a:t>, </a:t>
+            </a:r>
+            <a:r>
+              <a:rPr lang="en-US" sz="1800" dirty="0" err="1">
+                <a:latin typeface="+mj-lt"/>
+              </a:rPr>
+              <a:t>distanța</a:t>
+            </a:r>
+            <a:r>
+              <a:rPr lang="en-US" sz="1800" dirty="0">
+                <a:latin typeface="+mj-lt"/>
+              </a:rPr>
+              <a:t> </a:t>
+            </a:r>
+            <a:r>
+              <a:rPr lang="en-US" sz="1800" dirty="0" err="1">
+                <a:latin typeface="+mj-lt"/>
+              </a:rPr>
+              <a:t>parcursă</a:t>
+            </a:r>
+            <a:r>
+              <a:rPr lang="en-US" sz="1800" dirty="0">
+                <a:latin typeface="+mj-lt"/>
+              </a:rPr>
+              <a:t> cu </a:t>
+            </a:r>
+            <a:r>
+              <a:rPr lang="en-US" sz="1800" dirty="0" err="1">
+                <a:latin typeface="+mj-lt"/>
+              </a:rPr>
+              <a:t>vehiculul</a:t>
+            </a:r>
+            <a:r>
+              <a:rPr lang="en-US" sz="1800" dirty="0">
+                <a:latin typeface="+mj-lt"/>
+              </a:rPr>
+              <a:t>, </a:t>
+            </a:r>
+            <a:r>
+              <a:rPr lang="en-US" sz="1800" dirty="0" err="1">
+                <a:latin typeface="+mj-lt"/>
+              </a:rPr>
+              <a:t>cheltuielile</a:t>
+            </a:r>
+            <a:r>
+              <a:rPr lang="en-US" sz="1800" dirty="0">
+                <a:latin typeface="+mj-lt"/>
+              </a:rPr>
+              <a:t> </a:t>
+            </a:r>
+            <a:r>
+              <a:rPr lang="en-US" sz="1800" dirty="0" err="1">
+                <a:latin typeface="+mj-lt"/>
+              </a:rPr>
+              <a:t>lunare</a:t>
+            </a:r>
+            <a:r>
+              <a:rPr lang="en-US" sz="1800" dirty="0">
+                <a:latin typeface="+mj-lt"/>
+              </a:rPr>
+              <a:t> cu </a:t>
+            </a:r>
+            <a:r>
+              <a:rPr lang="en-US" sz="1800" dirty="0" err="1">
+                <a:latin typeface="+mj-lt"/>
+              </a:rPr>
+              <a:t>alimentele</a:t>
+            </a:r>
+            <a:r>
+              <a:rPr lang="en-US" sz="1800" dirty="0">
+                <a:latin typeface="+mj-lt"/>
+              </a:rPr>
+              <a:t>.</a:t>
+            </a:r>
+          </a:p>
+          <a:p>
+            <a:pPr marL="285750" indent="-285750">
+              <a:buFont typeface="Wingdings" panose="05000000000000000000" pitchFamily="2" charset="2"/>
+              <a:buChar char="q"/>
+            </a:pPr>
+            <a:r>
+              <a:rPr lang="en-US" sz="1800" b="1" dirty="0" err="1">
+                <a:latin typeface="+mj-lt"/>
+              </a:rPr>
+              <a:t>Tehnologi</a:t>
+            </a:r>
+            <a:r>
+              <a:rPr lang="ro-RO" sz="1800" b="1" dirty="0">
+                <a:latin typeface="+mj-lt"/>
+              </a:rPr>
+              <a:t>a</a:t>
+            </a:r>
+            <a:r>
+              <a:rPr lang="en-US" sz="1800" b="1" dirty="0">
+                <a:latin typeface="+mj-lt"/>
+              </a:rPr>
+              <a:t>:</a:t>
+            </a:r>
+            <a:r>
+              <a:rPr lang="en-US" sz="1800" dirty="0">
+                <a:latin typeface="+mj-lt"/>
+              </a:rPr>
+              <a:t> </a:t>
+            </a:r>
+            <a:r>
+              <a:rPr lang="en-US" sz="1800" dirty="0" err="1">
+                <a:latin typeface="+mj-lt"/>
+              </a:rPr>
+              <a:t>Timp</a:t>
+            </a:r>
+            <a:r>
+              <a:rPr lang="en-US" sz="1800" dirty="0">
+                <a:latin typeface="+mj-lt"/>
+              </a:rPr>
+              <a:t> </a:t>
+            </a:r>
+            <a:r>
+              <a:rPr lang="en-US" sz="1800" dirty="0" err="1">
+                <a:latin typeface="+mj-lt"/>
+              </a:rPr>
+              <a:t>petrecut</a:t>
+            </a:r>
+            <a:r>
+              <a:rPr lang="en-US" sz="1800" dirty="0">
+                <a:latin typeface="+mj-lt"/>
+              </a:rPr>
+              <a:t> </a:t>
+            </a:r>
+            <a:r>
+              <a:rPr lang="en-US" sz="1800" dirty="0" err="1">
+                <a:latin typeface="+mj-lt"/>
+              </a:rPr>
+              <a:t>zilnic</a:t>
+            </a:r>
+            <a:r>
+              <a:rPr lang="en-US" sz="1800" dirty="0">
+                <a:latin typeface="+mj-lt"/>
+              </a:rPr>
+              <a:t> pe internet, </a:t>
+            </a:r>
+            <a:r>
+              <a:rPr lang="en-US" sz="1800" dirty="0" err="1">
+                <a:latin typeface="+mj-lt"/>
+              </a:rPr>
+              <a:t>eficiența</a:t>
+            </a:r>
+            <a:r>
+              <a:rPr lang="en-US" sz="1800" dirty="0">
+                <a:latin typeface="+mj-lt"/>
+              </a:rPr>
+              <a:t> </a:t>
+            </a:r>
+            <a:r>
+              <a:rPr lang="en-US" sz="1800" dirty="0" err="1">
+                <a:latin typeface="+mj-lt"/>
+              </a:rPr>
+              <a:t>energetică</a:t>
+            </a:r>
+            <a:r>
+              <a:rPr lang="en-US" sz="1800" dirty="0">
+                <a:latin typeface="+mj-lt"/>
+              </a:rPr>
+              <a:t>, </a:t>
+            </a:r>
+            <a:r>
+              <a:rPr lang="en-US" sz="1800" dirty="0" err="1">
+                <a:latin typeface="+mj-lt"/>
+              </a:rPr>
+              <a:t>reciclarea</a:t>
+            </a:r>
+            <a:r>
+              <a:rPr lang="en-US" sz="1800" dirty="0">
+                <a:latin typeface="+mj-lt"/>
+              </a:rPr>
+              <a:t>.</a:t>
+            </a:r>
           </a:p>
         </p:txBody>
       </p:sp>
+      <p:pic>
+        <p:nvPicPr>
+          <p:cNvPr id="11" name="Picture 10">
+            <a:extLst>
+              <a:ext uri="{FF2B5EF4-FFF2-40B4-BE49-F238E27FC236}">
+                <a16:creationId xmlns:a16="http://schemas.microsoft.com/office/drawing/2014/main" id="{9739F8A0-42AC-718E-F6FD-9311C5B61DEE}"/>
+              </a:ext>
+            </a:extLst>
+          </p:cNvPr>
+          <p:cNvPicPr>
+            <a:picLocks noChangeAspect="1"/>
+          </p:cNvPicPr>
+          <p:nvPr/>
+        </p:nvPicPr>
+        <p:blipFill>
+          <a:blip r:embed="rId2">
+            <a:extLst>
+              <a:ext uri="{28A0092B-C50C-407E-A947-70E740481C1C}">
+                <a14:useLocalDpi xmlns:a14="http://schemas.microsoft.com/office/drawing/2010/main" val="0"/>
+              </a:ext>
+            </a:extLst>
+          </a:blip>
+          <a:stretch>
+            <a:fillRect/>
+          </a:stretch>
+        </p:blipFill>
+        <p:spPr>
+          <a:xfrm>
+            <a:off x="2454442" y="1426915"/>
+            <a:ext cx="9641306" cy="4004169"/>
+          </a:xfrm>
+          <a:prstGeom prst="rect">
+            <a:avLst/>
+          </a:prstGeom>
+        </p:spPr>
+      </p:pic>
     </p:spTree>
     <p:extLst>
       <p:ext uri="{BB962C8B-B14F-4D97-AF65-F5344CB8AC3E}">
@@ -3695,7 +4724,180 @@
           <a:bodyPr/>
           <a:lstStyle/>
           <a:p>
-            <a:endParaRPr lang="en-US"/>
+            <a:pPr marR="0" algn="just">
+              <a:spcBef>
+                <a:spcPts val="0"/>
+              </a:spcBef>
+              <a:spcAft>
+                <a:spcPts val="0"/>
+              </a:spcAft>
+              <a:buFont typeface="Wingdings" panose="05000000000000000000" pitchFamily="2" charset="2"/>
+              <a:buChar char="q"/>
+            </a:pPr>
+            <a:r>
+              <a:rPr lang="ro-RO" sz="2400" b="1" dirty="0">
+                <a:solidFill>
+                  <a:srgbClr val="000000"/>
+                </a:solidFill>
+                <a:effectLst/>
+                <a:latin typeface="+mj-lt"/>
+                <a:ea typeface="Batang"/>
+              </a:rPr>
+              <a:t>Importul datelor:</a:t>
+            </a:r>
+            <a:r>
+              <a:rPr lang="ro-RO" sz="2400" dirty="0">
+                <a:solidFill>
+                  <a:srgbClr val="000000"/>
+                </a:solidFill>
+                <a:effectLst/>
+                <a:latin typeface="+mj-lt"/>
+                <a:ea typeface="Batang"/>
+              </a:rPr>
+              <a:t> Am încarcat baza de date Carbon Emission în aplicatie, aceasta fiind preluata de pe site-ul „Kaggle” din următorul link: </a:t>
+            </a:r>
+            <a:r>
+              <a:rPr lang="ro-RO" sz="2400" u="sng" dirty="0">
+                <a:solidFill>
+                  <a:srgbClr val="0000FF"/>
+                </a:solidFill>
+                <a:effectLst/>
+                <a:latin typeface="+mj-lt"/>
+                <a:ea typeface="Batang"/>
+                <a:hlinkClick r:id="rId2"/>
+              </a:rPr>
+              <a:t>https://www.kaggle.com/datasets/dumanmesut/individual-carbon-footprint-calculation</a:t>
+            </a:r>
+            <a:r>
+              <a:rPr lang="ro-RO" sz="2400" dirty="0">
+                <a:solidFill>
+                  <a:srgbClr val="000000"/>
+                </a:solidFill>
+                <a:effectLst/>
+                <a:latin typeface="+mj-lt"/>
+                <a:ea typeface="Batang"/>
+              </a:rPr>
+              <a:t> .</a:t>
+            </a:r>
+            <a:endParaRPr lang="en-US" sz="2400" dirty="0">
+              <a:effectLst/>
+              <a:latin typeface="+mj-lt"/>
+              <a:ea typeface="Batang"/>
+            </a:endParaRPr>
+          </a:p>
+          <a:p>
+            <a:pPr marR="0" algn="just">
+              <a:spcBef>
+                <a:spcPts val="0"/>
+              </a:spcBef>
+              <a:spcAft>
+                <a:spcPts val="0"/>
+              </a:spcAft>
+              <a:buFont typeface="Wingdings" panose="05000000000000000000" pitchFamily="2" charset="2"/>
+              <a:buChar char="q"/>
+            </a:pPr>
+            <a:endParaRPr lang="en-US" sz="2400" dirty="0">
+              <a:effectLst/>
+              <a:latin typeface="+mj-lt"/>
+              <a:ea typeface="Batang"/>
+            </a:endParaRPr>
+          </a:p>
+          <a:p>
+            <a:pPr marR="0" algn="just">
+              <a:spcBef>
+                <a:spcPts val="0"/>
+              </a:spcBef>
+              <a:spcAft>
+                <a:spcPts val="0"/>
+              </a:spcAft>
+              <a:buFont typeface="Wingdings" panose="05000000000000000000" pitchFamily="2" charset="2"/>
+              <a:buChar char="q"/>
+            </a:pPr>
+            <a:r>
+              <a:rPr lang="ro-RO" sz="2400" b="1" dirty="0">
+                <a:solidFill>
+                  <a:srgbClr val="000000"/>
+                </a:solidFill>
+                <a:effectLst/>
+                <a:latin typeface="+mj-lt"/>
+                <a:ea typeface="Batang"/>
+              </a:rPr>
+              <a:t>Conversia categoriilor în valori numerice:</a:t>
+            </a:r>
+            <a:r>
+              <a:rPr lang="ro-RO" sz="2400" dirty="0">
+                <a:solidFill>
+                  <a:srgbClr val="000000"/>
+                </a:solidFill>
+                <a:effectLst/>
+                <a:latin typeface="+mj-lt"/>
+                <a:ea typeface="Batang"/>
+              </a:rPr>
+              <a:t> Unele coloane, cum ar fi Body Type, Sex, Diet, etc., sunt categorice. Am utilizat operatorul „Nominal to Numerical” în RapidMiner pentru a le converti în valori numerice.</a:t>
+            </a:r>
+            <a:endParaRPr lang="en-US" sz="2400" dirty="0">
+              <a:effectLst/>
+              <a:latin typeface="+mj-lt"/>
+              <a:ea typeface="Batang"/>
+            </a:endParaRPr>
+          </a:p>
+          <a:p>
+            <a:pPr marL="0" marR="0" indent="0" algn="just">
+              <a:spcBef>
+                <a:spcPts val="0"/>
+              </a:spcBef>
+              <a:spcAft>
+                <a:spcPts val="0"/>
+              </a:spcAft>
+              <a:buNone/>
+            </a:pPr>
+            <a:endParaRPr lang="en-US" sz="2400" dirty="0">
+              <a:effectLst/>
+              <a:latin typeface="+mj-lt"/>
+              <a:ea typeface="Batang"/>
+            </a:endParaRPr>
+          </a:p>
+          <a:p>
+            <a:pPr marR="0" algn="just">
+              <a:spcBef>
+                <a:spcPts val="0"/>
+              </a:spcBef>
+              <a:spcAft>
+                <a:spcPts val="0"/>
+              </a:spcAft>
+              <a:buFont typeface="Wingdings" panose="05000000000000000000" pitchFamily="2" charset="2"/>
+              <a:buChar char="q"/>
+            </a:pPr>
+            <a:r>
+              <a:rPr lang="ro-RO" sz="2400" b="1" dirty="0">
+                <a:solidFill>
+                  <a:srgbClr val="000000"/>
+                </a:solidFill>
+                <a:effectLst/>
+                <a:latin typeface="+mj-lt"/>
+                <a:ea typeface="Batang"/>
+              </a:rPr>
+              <a:t>Normalizarea datelor:</a:t>
+            </a:r>
+            <a:r>
+              <a:rPr lang="ro-RO" sz="2400" dirty="0">
+                <a:solidFill>
+                  <a:srgbClr val="000000"/>
+                </a:solidFill>
+                <a:effectLst/>
+                <a:latin typeface="+mj-lt"/>
+                <a:ea typeface="Batang"/>
+              </a:rPr>
+              <a:t> Am normalizat datele utilizând operatorul „Multiply”, pentru a asigura că toate variabilele au aceeași unitate de măsură și contribuie echitabil la model.</a:t>
+            </a:r>
+            <a:endParaRPr lang="en-US" sz="2400" dirty="0">
+              <a:effectLst/>
+              <a:latin typeface="+mj-lt"/>
+              <a:ea typeface="Batang"/>
+            </a:endParaRPr>
+          </a:p>
+          <a:p>
+            <a:endParaRPr lang="en-US" dirty="0"/>
           </a:p>
         </p:txBody>
       </p:sp>
@@ -3745,44 +4947,797 @@
             <p:ph type="title"/>
           </p:nvPr>
         </p:nvSpPr>
-        <p:spPr/>
+        <p:spPr>
+          <a:xfrm>
+            <a:off x="0" y="0"/>
+            <a:ext cx="7591926" cy="1325563"/>
+          </a:xfrm>
+        </p:spPr>
         <p:txBody>
-          <a:bodyPr/>
+          <a:bodyPr>
+            <a:normAutofit/>
+          </a:bodyPr>
           <a:lstStyle/>
           <a:p>
             <a:r>
-              <a:rPr lang="ro-RO" dirty="0"/>
+              <a:rPr lang="ro-RO" sz="3600" dirty="0"/>
               <a:t>Algoritmii testați, modelul final</a:t>
             </a:r>
-            <a:endParaRPr lang="en-US" dirty="0"/>
+            <a:endParaRPr lang="en-US" sz="3600" dirty="0"/>
           </a:p>
         </p:txBody>
       </p:sp>
       <p:sp>
         <p:nvSpPr>
-          <p:cNvPr id="3" name="Content Placeholder 2">
-            <a:extLst>
-              <a:ext uri="{FF2B5EF4-FFF2-40B4-BE49-F238E27FC236}">
-                <a16:creationId xmlns:a16="http://schemas.microsoft.com/office/drawing/2014/main" id="{6F9C672C-77F3-A36B-E49D-DDF956F77BF7}"/>
+          <p:cNvPr id="4" name="Rectangle 1">
+            <a:extLst>
+              <a:ext uri="{FF2B5EF4-FFF2-40B4-BE49-F238E27FC236}">
+                <a16:creationId xmlns:a16="http://schemas.microsoft.com/office/drawing/2014/main" id="{644F6B01-FC3A-9131-EC69-E9821A4F0575}"/>
               </a:ext>
             </a:extLst>
           </p:cNvPr>
           <p:cNvSpPr>
-            <a:spLocks noGrp="1"/>
+            <a:spLocks noGrp="1" noChangeArrowheads="1"/>
           </p:cNvSpPr>
           <p:nvPr>
             <p:ph idx="1"/>
           </p:nvPr>
         </p:nvSpPr>
-        <p:spPr/>
+        <p:spPr bwMode="auto">
+          <a:xfrm>
+            <a:off x="-1" y="1752690"/>
+            <a:ext cx="7050505" cy="4708981"/>
+          </a:xfrm>
+          <a:prstGeom prst="rect">
+            <a:avLst/>
+          </a:prstGeom>
+          <a:noFill/>
+          <a:ln>
+            <a:noFill/>
+          </a:ln>
+          <a:effectLst/>
+          <a:extLst>
+            <a:ext uri="{909E8E84-426E-40DD-AFC4-6F175D3DCCD1}">
+              <a14:hiddenFill xmlns:a14="http://schemas.microsoft.com/office/drawing/2010/main">
+                <a:solidFill>
+                  <a:schemeClr val="accent1"/>
+                </a:solidFill>
+              </a14:hiddenFill>
+            </a:ext>
+            <a:ext uri="{91240B29-F687-4F45-9708-019B960494DF}">
+              <a14:hiddenLine xmlns:a14="http://schemas.microsoft.com/office/drawing/2010/main" w="9525">
+                <a:solidFill>
+                  <a:schemeClr val="tx1"/>
+                </a:solidFill>
+                <a:miter lim="800000"/>
+                <a:headEnd/>
+                <a:tailEnd/>
+              </a14:hiddenLine>
+            </a:ext>
+            <a:ext uri="{AF507438-7753-43E0-B8FC-AC1667EBCBE1}">
+              <a14:hiddenEffects xmlns:a14="http://schemas.microsoft.com/office/drawing/2010/main">
+                <a:effectLst>
+                  <a:outerShdw dist="35921" dir="2700000" algn="ctr" rotWithShape="0">
+                    <a:schemeClr val="bg2"/>
+                  </a:outerShdw>
+                </a:effectLst>
+              </a14:hiddenEffects>
+            </a:ext>
+          </a:extLst>
+        </p:spPr>
         <p:txBody>
-          <a:bodyPr/>
+          <a:bodyPr vert="horz" wrap="square" lIns="91440" tIns="45720" rIns="91440" bIns="45720" numCol="1" anchor="ctr" anchorCtr="0" compatLnSpc="1">
+            <a:prstTxWarp prst="textNoShape">
+              <a:avLst/>
+            </a:prstTxWarp>
+            <a:spAutoFit/>
+          </a:bodyPr>
           <a:lstStyle/>
           <a:p>
-            <a:endParaRPr lang="en-US"/>
+            <a:pPr marL="0" marR="0" lvl="0" indent="0" algn="l" defTabSz="914400" rtl="0" eaLnBrk="0" fontAlgn="base" latinLnBrk="0" hangingPunct="0">
+              <a:lnSpc>
+                <a:spcPct val="100000"/>
+              </a:lnSpc>
+              <a:spcBef>
+                <a:spcPct val="0"/>
+              </a:spcBef>
+              <a:spcAft>
+                <a:spcPct val="0"/>
+              </a:spcAft>
+              <a:buClrTx/>
+              <a:buSzTx/>
+              <a:buNone/>
+              <a:tabLst/>
+            </a:pPr>
+            <a:r>
+              <a:rPr kumimoji="0" lang="en-US" altLang="en-US" b="1" i="0" u="none" strike="noStrike" cap="none" normalizeH="0" baseline="0" dirty="0" err="1">
+                <a:ln>
+                  <a:noFill/>
+                </a:ln>
+                <a:solidFill>
+                  <a:schemeClr val="tx1"/>
+                </a:solidFill>
+                <a:effectLst/>
+                <a:latin typeface="+mj-lt"/>
+              </a:rPr>
+              <a:t>Algoritmi</a:t>
+            </a:r>
+            <a:r>
+              <a:rPr kumimoji="0" lang="en-US" altLang="en-US" b="1" i="0" u="none" strike="noStrike" cap="none" normalizeH="0" baseline="0" dirty="0">
+                <a:ln>
+                  <a:noFill/>
+                </a:ln>
+                <a:solidFill>
+                  <a:schemeClr val="tx1"/>
+                </a:solidFill>
+                <a:effectLst/>
+                <a:latin typeface="+mj-lt"/>
+              </a:rPr>
+              <a:t> </a:t>
+            </a:r>
+            <a:r>
+              <a:rPr kumimoji="0" lang="en-US" altLang="en-US" b="1" i="0" u="none" strike="noStrike" cap="none" normalizeH="0" baseline="0" dirty="0" err="1">
+                <a:ln>
+                  <a:noFill/>
+                </a:ln>
+                <a:solidFill>
+                  <a:schemeClr val="tx1"/>
+                </a:solidFill>
+                <a:effectLst/>
+                <a:latin typeface="+mj-lt"/>
+              </a:rPr>
+              <a:t>Utilizați</a:t>
+            </a:r>
+            <a:r>
+              <a:rPr kumimoji="0" lang="en-US" altLang="en-US" b="1" i="0" u="none" strike="noStrike" cap="none" normalizeH="0" baseline="0" dirty="0">
+                <a:ln>
+                  <a:noFill/>
+                </a:ln>
+                <a:solidFill>
+                  <a:schemeClr val="tx1"/>
+                </a:solidFill>
+                <a:effectLst/>
+                <a:latin typeface="+mj-lt"/>
+              </a:rPr>
+              <a:t>:</a:t>
+            </a:r>
+            <a:endParaRPr kumimoji="0" lang="ro-RO" altLang="en-US" b="1" i="0" u="none" strike="noStrike" cap="none" normalizeH="0" baseline="0" dirty="0">
+              <a:ln>
+                <a:noFill/>
+              </a:ln>
+              <a:solidFill>
+                <a:schemeClr val="tx1"/>
+              </a:solidFill>
+              <a:effectLst/>
+              <a:latin typeface="+mj-lt"/>
+            </a:endParaRPr>
+          </a:p>
+          <a:p>
+            <a:pPr marR="0" lvl="0" algn="l" defTabSz="914400" rtl="0" eaLnBrk="0" fontAlgn="base" latinLnBrk="0" hangingPunct="0">
+              <a:lnSpc>
+                <a:spcPct val="100000"/>
+              </a:lnSpc>
+              <a:spcBef>
+                <a:spcPct val="0"/>
+              </a:spcBef>
+              <a:spcAft>
+                <a:spcPct val="0"/>
+              </a:spcAft>
+              <a:buClrTx/>
+              <a:buSzTx/>
+              <a:buFont typeface="Wingdings" panose="05000000000000000000" pitchFamily="2" charset="2"/>
+              <a:buChar char="q"/>
+              <a:tabLst/>
+            </a:pPr>
+            <a:endParaRPr kumimoji="0" lang="en-US" altLang="en-US" sz="1800" b="0" i="0" u="none" strike="noStrike" cap="none" normalizeH="0" baseline="0" dirty="0">
+              <a:ln>
+                <a:noFill/>
+              </a:ln>
+              <a:solidFill>
+                <a:schemeClr val="tx1"/>
+              </a:solidFill>
+              <a:effectLst/>
+              <a:latin typeface="+mj-lt"/>
+            </a:endParaRPr>
+          </a:p>
+          <a:p>
+            <a:pPr marR="0" lvl="0" algn="l" defTabSz="914400" rtl="0" eaLnBrk="0" fontAlgn="base" latinLnBrk="0" hangingPunct="0">
+              <a:lnSpc>
+                <a:spcPct val="100000"/>
+              </a:lnSpc>
+              <a:spcBef>
+                <a:spcPct val="0"/>
+              </a:spcBef>
+              <a:spcAft>
+                <a:spcPct val="0"/>
+              </a:spcAft>
+              <a:buClrTx/>
+              <a:buSzTx/>
+              <a:buFont typeface="Wingdings" panose="05000000000000000000" pitchFamily="2" charset="2"/>
+              <a:buChar char="q"/>
+              <a:tabLst/>
+            </a:pPr>
+            <a:r>
+              <a:rPr kumimoji="0" lang="ro-RO" altLang="en-US" sz="2000" b="1" i="0" u="none" strike="noStrike" cap="none" normalizeH="0" baseline="0" dirty="0">
+                <a:ln>
+                  <a:noFill/>
+                </a:ln>
+                <a:solidFill>
+                  <a:schemeClr val="tx1"/>
+                </a:solidFill>
+                <a:effectLst/>
+                <a:latin typeface="+mj-lt"/>
+              </a:rPr>
+              <a:t>Regression Tree Model (poza 1)</a:t>
+            </a:r>
+            <a:endParaRPr kumimoji="0" lang="ro-RO" altLang="en-US" sz="2000" b="0" i="0" u="none" strike="noStrike" cap="none" normalizeH="0" baseline="0" dirty="0">
+              <a:ln>
+                <a:noFill/>
+              </a:ln>
+              <a:solidFill>
+                <a:schemeClr val="tx1"/>
+              </a:solidFill>
+              <a:effectLst/>
+              <a:latin typeface="+mj-lt"/>
+            </a:endParaRPr>
+          </a:p>
+          <a:p>
+            <a:pPr marL="0" marR="0" lvl="0" indent="0" algn="l" defTabSz="914400" rtl="0" eaLnBrk="0" fontAlgn="base" latinLnBrk="0" hangingPunct="0">
+              <a:lnSpc>
+                <a:spcPct val="100000"/>
+              </a:lnSpc>
+              <a:spcBef>
+                <a:spcPct val="0"/>
+              </a:spcBef>
+              <a:spcAft>
+                <a:spcPct val="0"/>
+              </a:spcAft>
+              <a:buClrTx/>
+              <a:buSzTx/>
+              <a:buNone/>
+              <a:tabLst/>
+            </a:pPr>
+            <a:endParaRPr kumimoji="0" lang="en-US" altLang="en-US" sz="2000" b="0" i="0" u="none" strike="noStrike" cap="none" normalizeH="0" baseline="0" dirty="0">
+              <a:ln>
+                <a:noFill/>
+              </a:ln>
+              <a:solidFill>
+                <a:schemeClr val="tx1"/>
+              </a:solidFill>
+              <a:effectLst/>
+              <a:latin typeface="+mj-lt"/>
+            </a:endParaRPr>
+          </a:p>
+          <a:p>
+            <a:pPr marR="0" lvl="0" algn="l" defTabSz="914400" rtl="0" eaLnBrk="0" fontAlgn="base" latinLnBrk="0" hangingPunct="0">
+              <a:lnSpc>
+                <a:spcPct val="100000"/>
+              </a:lnSpc>
+              <a:spcBef>
+                <a:spcPct val="0"/>
+              </a:spcBef>
+              <a:spcAft>
+                <a:spcPct val="0"/>
+              </a:spcAft>
+              <a:buClrTx/>
+              <a:buSzTx/>
+              <a:buFont typeface="Wingdings" panose="05000000000000000000" pitchFamily="2" charset="2"/>
+              <a:buChar char="q"/>
+              <a:tabLst/>
+            </a:pPr>
+            <a:r>
+              <a:rPr kumimoji="0" lang="ro-RO" altLang="en-US" sz="2000" b="1" i="0" u="none" strike="noStrike" cap="none" normalizeH="0" baseline="0" dirty="0">
+                <a:ln>
+                  <a:noFill/>
+                </a:ln>
+                <a:solidFill>
+                  <a:schemeClr val="tx1"/>
+                </a:solidFill>
+                <a:effectLst/>
+                <a:latin typeface="+mj-lt"/>
+              </a:rPr>
+              <a:t>Random Forest Model (poza 2)</a:t>
+            </a:r>
+            <a:endParaRPr kumimoji="0" lang="ro-RO" altLang="en-US" sz="2000" b="0" i="0" u="none" strike="noStrike" cap="none" normalizeH="0" baseline="0" dirty="0">
+              <a:ln>
+                <a:noFill/>
+              </a:ln>
+              <a:solidFill>
+                <a:schemeClr val="tx1"/>
+              </a:solidFill>
+              <a:effectLst/>
+              <a:latin typeface="+mj-lt"/>
+            </a:endParaRPr>
+          </a:p>
+          <a:p>
+            <a:pPr marL="0" marR="0" lvl="0" indent="0" algn="l" defTabSz="914400" rtl="0" eaLnBrk="0" fontAlgn="base" latinLnBrk="0" hangingPunct="0">
+              <a:lnSpc>
+                <a:spcPct val="100000"/>
+              </a:lnSpc>
+              <a:spcBef>
+                <a:spcPct val="0"/>
+              </a:spcBef>
+              <a:spcAft>
+                <a:spcPct val="0"/>
+              </a:spcAft>
+              <a:buClrTx/>
+              <a:buSzTx/>
+              <a:buNone/>
+              <a:tabLst/>
+            </a:pPr>
+            <a:endParaRPr kumimoji="0" lang="en-US" altLang="en-US" sz="2000" b="0" i="0" u="none" strike="noStrike" cap="none" normalizeH="0" baseline="0" dirty="0">
+              <a:ln>
+                <a:noFill/>
+              </a:ln>
+              <a:solidFill>
+                <a:schemeClr val="tx1"/>
+              </a:solidFill>
+              <a:effectLst/>
+              <a:latin typeface="+mj-lt"/>
+            </a:endParaRPr>
+          </a:p>
+          <a:p>
+            <a:pPr marR="0" lvl="0" algn="l" defTabSz="914400" rtl="0" eaLnBrk="0" fontAlgn="base" latinLnBrk="0" hangingPunct="0">
+              <a:lnSpc>
+                <a:spcPct val="100000"/>
+              </a:lnSpc>
+              <a:spcBef>
+                <a:spcPct val="0"/>
+              </a:spcBef>
+              <a:spcAft>
+                <a:spcPct val="0"/>
+              </a:spcAft>
+              <a:buClrTx/>
+              <a:buSzTx/>
+              <a:buFont typeface="Wingdings" panose="05000000000000000000" pitchFamily="2" charset="2"/>
+              <a:buChar char="q"/>
+              <a:tabLst/>
+            </a:pPr>
+            <a:r>
+              <a:rPr kumimoji="0" lang="ro-RO" altLang="en-US" sz="2000" b="1" i="0" u="none" strike="noStrike" cap="none" normalizeH="0" baseline="0" dirty="0">
+                <a:ln>
+                  <a:noFill/>
+                </a:ln>
+                <a:solidFill>
+                  <a:schemeClr val="tx1"/>
+                </a:solidFill>
+                <a:effectLst/>
+                <a:latin typeface="+mj-lt"/>
+              </a:rPr>
+              <a:t>Gradient Boosted Model (poza 3)</a:t>
+            </a:r>
+            <a:endParaRPr kumimoji="0" lang="ro-RO" altLang="en-US" sz="2000" b="0" i="0" u="none" strike="noStrike" cap="none" normalizeH="0" baseline="0" dirty="0">
+              <a:ln>
+                <a:noFill/>
+              </a:ln>
+              <a:solidFill>
+                <a:schemeClr val="tx1"/>
+              </a:solidFill>
+              <a:effectLst/>
+              <a:latin typeface="+mj-lt"/>
+            </a:endParaRPr>
+          </a:p>
+          <a:p>
+            <a:pPr marR="0" lvl="0" algn="l" defTabSz="914400" rtl="0" eaLnBrk="0" fontAlgn="base" latinLnBrk="0" hangingPunct="0">
+              <a:lnSpc>
+                <a:spcPct val="100000"/>
+              </a:lnSpc>
+              <a:spcBef>
+                <a:spcPct val="0"/>
+              </a:spcBef>
+              <a:spcAft>
+                <a:spcPct val="0"/>
+              </a:spcAft>
+              <a:buClrTx/>
+              <a:buSzTx/>
+              <a:buFont typeface="Wingdings" panose="05000000000000000000" pitchFamily="2" charset="2"/>
+              <a:buChar char="q"/>
+              <a:tabLst/>
+            </a:pPr>
+            <a:endParaRPr kumimoji="0" lang="ro-RO" altLang="en-US" sz="2000" b="0" i="0" u="none" strike="noStrike" cap="none" normalizeH="0" baseline="0" dirty="0">
+              <a:ln>
+                <a:noFill/>
+              </a:ln>
+              <a:solidFill>
+                <a:schemeClr val="tx1"/>
+              </a:solidFill>
+              <a:effectLst/>
+              <a:latin typeface="+mj-lt"/>
+            </a:endParaRPr>
+          </a:p>
+          <a:p>
+            <a:pPr marL="0" marR="0" lvl="0" indent="0" algn="l" defTabSz="914400" rtl="0" eaLnBrk="0" fontAlgn="base" latinLnBrk="0" hangingPunct="0">
+              <a:lnSpc>
+                <a:spcPct val="100000"/>
+              </a:lnSpc>
+              <a:spcBef>
+                <a:spcPct val="0"/>
+              </a:spcBef>
+              <a:spcAft>
+                <a:spcPct val="0"/>
+              </a:spcAft>
+              <a:buClrTx/>
+              <a:buSzTx/>
+              <a:buNone/>
+              <a:tabLst/>
+            </a:pPr>
+            <a:endParaRPr kumimoji="0" lang="en-US" altLang="en-US" b="0" i="0" u="none" strike="noStrike" cap="none" normalizeH="0" baseline="0" dirty="0">
+              <a:ln>
+                <a:noFill/>
+              </a:ln>
+              <a:solidFill>
+                <a:schemeClr val="tx1"/>
+              </a:solidFill>
+              <a:effectLst/>
+              <a:latin typeface="+mj-lt"/>
+            </a:endParaRPr>
+          </a:p>
+          <a:p>
+            <a:pPr marL="0" marR="0" lvl="0" indent="0" algn="l" defTabSz="914400" rtl="0" eaLnBrk="0" fontAlgn="base" latinLnBrk="0" hangingPunct="0">
+              <a:lnSpc>
+                <a:spcPct val="100000"/>
+              </a:lnSpc>
+              <a:spcBef>
+                <a:spcPct val="0"/>
+              </a:spcBef>
+              <a:spcAft>
+                <a:spcPct val="0"/>
+              </a:spcAft>
+              <a:buClrTx/>
+              <a:buSzTx/>
+              <a:buNone/>
+              <a:tabLst/>
+            </a:pPr>
+            <a:r>
+              <a:rPr kumimoji="0" lang="en-US" altLang="en-US" b="1" i="0" u="none" strike="noStrike" cap="none" normalizeH="0" baseline="0" dirty="0" err="1">
+                <a:ln>
+                  <a:noFill/>
+                </a:ln>
+                <a:solidFill>
+                  <a:schemeClr val="tx1"/>
+                </a:solidFill>
+                <a:effectLst/>
+                <a:latin typeface="+mj-lt"/>
+              </a:rPr>
+              <a:t>Modelul</a:t>
+            </a:r>
+            <a:r>
+              <a:rPr kumimoji="0" lang="en-US" altLang="en-US" b="1" i="0" u="none" strike="noStrike" cap="none" normalizeH="0" baseline="0" dirty="0">
+                <a:ln>
+                  <a:noFill/>
+                </a:ln>
+                <a:solidFill>
+                  <a:schemeClr val="tx1"/>
+                </a:solidFill>
+                <a:effectLst/>
+                <a:latin typeface="+mj-lt"/>
+              </a:rPr>
+              <a:t> Final:</a:t>
+            </a:r>
+            <a:endParaRPr kumimoji="0" lang="ro-RO" altLang="en-US" b="1" i="0" u="none" strike="noStrike" cap="none" normalizeH="0" baseline="0" dirty="0">
+              <a:ln>
+                <a:noFill/>
+              </a:ln>
+              <a:solidFill>
+                <a:schemeClr val="tx1"/>
+              </a:solidFill>
+              <a:effectLst/>
+              <a:latin typeface="+mj-lt"/>
+            </a:endParaRPr>
+          </a:p>
+          <a:p>
+            <a:pPr marL="0" marR="0" lvl="0" indent="0" algn="l" defTabSz="914400" rtl="0" eaLnBrk="0" fontAlgn="base" latinLnBrk="0" hangingPunct="0">
+              <a:lnSpc>
+                <a:spcPct val="100000"/>
+              </a:lnSpc>
+              <a:spcBef>
+                <a:spcPct val="0"/>
+              </a:spcBef>
+              <a:spcAft>
+                <a:spcPct val="0"/>
+              </a:spcAft>
+              <a:buClrTx/>
+              <a:buSzTx/>
+              <a:buNone/>
+              <a:tabLst/>
+            </a:pPr>
+            <a:endParaRPr kumimoji="0" lang="en-US" altLang="en-US" sz="2000" b="0" i="0" u="none" strike="noStrike" cap="none" normalizeH="0" baseline="0" dirty="0">
+              <a:ln>
+                <a:noFill/>
+              </a:ln>
+              <a:solidFill>
+                <a:schemeClr val="tx1"/>
+              </a:solidFill>
+              <a:effectLst/>
+              <a:latin typeface="+mj-lt"/>
+            </a:endParaRPr>
+          </a:p>
+          <a:p>
+            <a:pPr marR="0" lvl="0" algn="l" defTabSz="914400" rtl="0" eaLnBrk="0" fontAlgn="base" latinLnBrk="0" hangingPunct="0">
+              <a:lnSpc>
+                <a:spcPct val="100000"/>
+              </a:lnSpc>
+              <a:spcBef>
+                <a:spcPct val="0"/>
+              </a:spcBef>
+              <a:spcAft>
+                <a:spcPct val="0"/>
+              </a:spcAft>
+              <a:buClrTx/>
+              <a:buSzTx/>
+              <a:buFont typeface="Wingdings" panose="05000000000000000000" pitchFamily="2" charset="2"/>
+              <a:buChar char="q"/>
+              <a:tabLst/>
+            </a:pPr>
+            <a:r>
+              <a:rPr kumimoji="0" lang="en-US" altLang="en-US" sz="2000" b="1" i="0" u="none" strike="noStrike" cap="none" normalizeH="0" baseline="0" dirty="0">
+                <a:ln>
+                  <a:noFill/>
+                </a:ln>
+                <a:solidFill>
+                  <a:schemeClr val="tx1"/>
+                </a:solidFill>
+                <a:effectLst/>
+                <a:latin typeface="+mj-lt"/>
+              </a:rPr>
+              <a:t>Random Forest Model:</a:t>
+            </a:r>
+            <a:r>
+              <a:rPr kumimoji="0" lang="en-US" altLang="en-US" sz="2000" b="0" i="0" u="none" strike="noStrike" cap="none" normalizeH="0" baseline="0" dirty="0">
+                <a:ln>
+                  <a:noFill/>
+                </a:ln>
+                <a:solidFill>
+                  <a:schemeClr val="tx1"/>
+                </a:solidFill>
+                <a:effectLst/>
+                <a:latin typeface="+mj-lt"/>
+              </a:rPr>
+              <a:t> </a:t>
+            </a:r>
+            <a:r>
+              <a:rPr kumimoji="0" lang="en-US" altLang="en-US" sz="2000" b="0" i="0" u="none" strike="noStrike" cap="none" normalizeH="0" baseline="0" dirty="0" err="1">
+                <a:ln>
+                  <a:noFill/>
+                </a:ln>
+                <a:solidFill>
+                  <a:schemeClr val="tx1"/>
+                </a:solidFill>
+                <a:effectLst/>
+                <a:latin typeface="+mj-lt"/>
+              </a:rPr>
+              <a:t>Cel</a:t>
+            </a:r>
+            <a:r>
+              <a:rPr kumimoji="0" lang="en-US" altLang="en-US" sz="2000" b="0" i="0" u="none" strike="noStrike" cap="none" normalizeH="0" baseline="0" dirty="0">
+                <a:ln>
+                  <a:noFill/>
+                </a:ln>
+                <a:solidFill>
+                  <a:schemeClr val="tx1"/>
+                </a:solidFill>
+                <a:effectLst/>
+                <a:latin typeface="+mj-lt"/>
+              </a:rPr>
+              <a:t> </a:t>
+            </a:r>
+            <a:r>
+              <a:rPr kumimoji="0" lang="en-US" altLang="en-US" sz="2000" b="0" i="0" u="none" strike="noStrike" cap="none" normalizeH="0" baseline="0" dirty="0" err="1">
+                <a:ln>
+                  <a:noFill/>
+                </a:ln>
+                <a:solidFill>
+                  <a:schemeClr val="tx1"/>
+                </a:solidFill>
+                <a:effectLst/>
+                <a:latin typeface="+mj-lt"/>
+              </a:rPr>
+              <a:t>mai</a:t>
+            </a:r>
+            <a:r>
+              <a:rPr kumimoji="0" lang="en-US" altLang="en-US" sz="2000" b="0" i="0" u="none" strike="noStrike" cap="none" normalizeH="0" baseline="0" dirty="0">
+                <a:ln>
+                  <a:noFill/>
+                </a:ln>
+                <a:solidFill>
+                  <a:schemeClr val="tx1"/>
+                </a:solidFill>
+                <a:effectLst/>
+                <a:latin typeface="+mj-lt"/>
+              </a:rPr>
+              <a:t> performant, RMSE: 432.294, </a:t>
+            </a:r>
+            <a:r>
+              <a:rPr kumimoji="0" lang="en-US" altLang="en-US" sz="2000" b="0" i="0" u="none" strike="noStrike" cap="none" normalizeH="0" baseline="0" dirty="0" err="1">
+                <a:ln>
+                  <a:noFill/>
+                </a:ln>
+                <a:solidFill>
+                  <a:schemeClr val="tx1"/>
+                </a:solidFill>
+                <a:effectLst/>
+                <a:latin typeface="+mj-lt"/>
+              </a:rPr>
+              <a:t>eroare</a:t>
+            </a:r>
+            <a:r>
+              <a:rPr kumimoji="0" lang="en-US" altLang="en-US" sz="2000" b="0" i="0" u="none" strike="noStrike" cap="none" normalizeH="0" baseline="0" dirty="0">
+                <a:ln>
+                  <a:noFill/>
+                </a:ln>
+                <a:solidFill>
+                  <a:schemeClr val="tx1"/>
+                </a:solidFill>
+                <a:effectLst/>
+                <a:latin typeface="+mj-lt"/>
+              </a:rPr>
+              <a:t> </a:t>
+            </a:r>
+            <a:r>
+              <a:rPr kumimoji="0" lang="en-US" altLang="en-US" sz="2000" b="0" i="0" u="none" strike="noStrike" cap="none" normalizeH="0" baseline="0" dirty="0" err="1">
+                <a:ln>
+                  <a:noFill/>
+                </a:ln>
+                <a:solidFill>
+                  <a:schemeClr val="tx1"/>
+                </a:solidFill>
+                <a:effectLst/>
+                <a:latin typeface="+mj-lt"/>
+              </a:rPr>
+              <a:t>relativă</a:t>
+            </a:r>
+            <a:r>
+              <a:rPr kumimoji="0" lang="en-US" altLang="en-US" sz="2000" b="0" i="0" u="none" strike="noStrike" cap="none" normalizeH="0" baseline="0" dirty="0">
+                <a:ln>
+                  <a:noFill/>
+                </a:ln>
+                <a:solidFill>
+                  <a:schemeClr val="tx1"/>
+                </a:solidFill>
+                <a:effectLst/>
+                <a:latin typeface="+mj-lt"/>
+              </a:rPr>
+              <a:t>: 13.55%.</a:t>
+            </a:r>
+          </a:p>
+          <a:p>
+            <a:pPr marL="0" marR="0" lvl="0" indent="0" algn="l" defTabSz="914400" rtl="0" eaLnBrk="0" fontAlgn="base" latinLnBrk="0" hangingPunct="0">
+              <a:lnSpc>
+                <a:spcPct val="100000"/>
+              </a:lnSpc>
+              <a:spcBef>
+                <a:spcPct val="0"/>
+              </a:spcBef>
+              <a:spcAft>
+                <a:spcPct val="0"/>
+              </a:spcAft>
+              <a:buClrTx/>
+              <a:buSzTx/>
+              <a:buFontTx/>
+              <a:buNone/>
+              <a:tabLst/>
+            </a:pPr>
+            <a:endParaRPr kumimoji="0" lang="en-US" altLang="en-US" sz="1800" b="0" i="0" u="none" strike="noStrike" cap="none" normalizeH="0" baseline="0" dirty="0">
+              <a:ln>
+                <a:noFill/>
+              </a:ln>
+              <a:solidFill>
+                <a:schemeClr val="tx1"/>
+              </a:solidFill>
+              <a:effectLst/>
+              <a:latin typeface="Arial" panose="020B0604020202020204" pitchFamily="34" charset="0"/>
+            </a:endParaRPr>
           </a:p>
         </p:txBody>
       </p:sp>
+      <p:pic>
+        <p:nvPicPr>
+          <p:cNvPr id="6" name="Picture 5">
+            <a:extLst>
+              <a:ext uri="{FF2B5EF4-FFF2-40B4-BE49-F238E27FC236}">
+                <a16:creationId xmlns:a16="http://schemas.microsoft.com/office/drawing/2014/main" id="{6EAE3903-E270-91D4-4361-B4865CFB4685}"/>
+              </a:ext>
+            </a:extLst>
+          </p:cNvPr>
+          <p:cNvPicPr>
+            <a:picLocks noChangeAspect="1"/>
+          </p:cNvPicPr>
+          <p:nvPr/>
+        </p:nvPicPr>
+        <p:blipFill>
+          <a:blip r:embed="rId2">
+            <a:extLst>
+              <a:ext uri="{28A0092B-C50C-407E-A947-70E740481C1C}">
+                <a14:useLocalDpi xmlns:a14="http://schemas.microsoft.com/office/drawing/2010/main" val="0"/>
+              </a:ext>
+            </a:extLst>
+          </a:blip>
+          <a:stretch>
+            <a:fillRect/>
+          </a:stretch>
+        </p:blipFill>
+        <p:spPr>
+          <a:xfrm>
+            <a:off x="7591926" y="4503933"/>
+            <a:ext cx="4478613" cy="2274652"/>
+          </a:xfrm>
+          <a:prstGeom prst="rect">
+            <a:avLst/>
+          </a:prstGeom>
+        </p:spPr>
+      </p:pic>
+      <p:pic>
+        <p:nvPicPr>
+          <p:cNvPr id="8" name="Picture 7">
+            <a:extLst>
+              <a:ext uri="{FF2B5EF4-FFF2-40B4-BE49-F238E27FC236}">
+                <a16:creationId xmlns:a16="http://schemas.microsoft.com/office/drawing/2014/main" id="{B5E32E44-A5C9-7B4A-CE1A-17FBF9724CBB}"/>
+              </a:ext>
+            </a:extLst>
+          </p:cNvPr>
+          <p:cNvPicPr>
+            <a:picLocks noChangeAspect="1"/>
+          </p:cNvPicPr>
+          <p:nvPr/>
+        </p:nvPicPr>
+        <p:blipFill>
+          <a:blip r:embed="rId3">
+            <a:extLst>
+              <a:ext uri="{28A0092B-C50C-407E-A947-70E740481C1C}">
+                <a14:useLocalDpi xmlns:a14="http://schemas.microsoft.com/office/drawing/2010/main" val="0"/>
+              </a:ext>
+            </a:extLst>
+          </a:blip>
+          <a:stretch>
+            <a:fillRect/>
+          </a:stretch>
+        </p:blipFill>
+        <p:spPr>
+          <a:xfrm>
+            <a:off x="7591927" y="2186859"/>
+            <a:ext cx="4600074" cy="2317074"/>
+          </a:xfrm>
+          <a:prstGeom prst="rect">
+            <a:avLst/>
+          </a:prstGeom>
+        </p:spPr>
+      </p:pic>
+      <p:pic>
+        <p:nvPicPr>
+          <p:cNvPr id="10" name="Picture 9">
+            <a:extLst>
+              <a:ext uri="{FF2B5EF4-FFF2-40B4-BE49-F238E27FC236}">
+                <a16:creationId xmlns:a16="http://schemas.microsoft.com/office/drawing/2014/main" id="{9FA1999F-1D08-D2E6-4CAE-AC46EF4254E2}"/>
+              </a:ext>
+            </a:extLst>
+          </p:cNvPr>
+          <p:cNvPicPr>
+            <a:picLocks noChangeAspect="1"/>
+          </p:cNvPicPr>
+          <p:nvPr/>
+        </p:nvPicPr>
+        <p:blipFill>
+          <a:blip r:embed="rId4">
+            <a:extLst>
+              <a:ext uri="{28A0092B-C50C-407E-A947-70E740481C1C}">
+                <a14:useLocalDpi xmlns:a14="http://schemas.microsoft.com/office/drawing/2010/main" val="0"/>
+              </a:ext>
+            </a:extLst>
+          </a:blip>
+          <a:stretch>
+            <a:fillRect/>
+          </a:stretch>
+        </p:blipFill>
+        <p:spPr>
+          <a:xfrm>
+            <a:off x="7591926" y="0"/>
+            <a:ext cx="4515853" cy="2159154"/>
+          </a:xfrm>
+          <a:prstGeom prst="rect">
+            <a:avLst/>
+          </a:prstGeom>
+        </p:spPr>
+      </p:pic>
     </p:spTree>
     <p:extLst>
       <p:ext uri="{BB962C8B-B14F-4D97-AF65-F5344CB8AC3E}">
@@ -3829,41 +5784,1588 @@
             <p:ph type="title"/>
           </p:nvPr>
         </p:nvSpPr>
-        <p:spPr/>
+        <p:spPr>
+          <a:xfrm>
+            <a:off x="0" y="0"/>
+            <a:ext cx="10515600" cy="1325563"/>
+          </a:xfrm>
+        </p:spPr>
         <p:txBody>
           <a:bodyPr/>
           <a:lstStyle/>
           <a:p>
             <a:r>
-              <a:rPr lang="ro-RO"/>
-              <a:t>Rezultate, Concluzii, Corelatii, Curiozitati, Cunostinte Noi</a:t>
-            </a:r>
-            <a:endParaRPr lang="en-US"/>
+              <a:rPr lang="ro-RO" dirty="0"/>
+              <a:t>Rezultate, concluzii și cunoștințe noi</a:t>
+            </a:r>
+            <a:endParaRPr lang="en-US" dirty="0"/>
           </a:p>
         </p:txBody>
       </p:sp>
       <p:sp>
         <p:nvSpPr>
-          <p:cNvPr id="3" name="Content Placeholder 2">
-            <a:extLst>
-              <a:ext uri="{FF2B5EF4-FFF2-40B4-BE49-F238E27FC236}">
-                <a16:creationId xmlns:a16="http://schemas.microsoft.com/office/drawing/2014/main" id="{530A5A60-D41C-FD7C-8EA9-37DBAE992A1E}"/>
+          <p:cNvPr id="4" name="Rectangle 1">
+            <a:extLst>
+              <a:ext uri="{FF2B5EF4-FFF2-40B4-BE49-F238E27FC236}">
+                <a16:creationId xmlns:a16="http://schemas.microsoft.com/office/drawing/2014/main" id="{C9A4E798-8292-9F0F-5C46-5B35420F9327}"/>
               </a:ext>
             </a:extLst>
           </p:cNvPr>
           <p:cNvSpPr>
-            <a:spLocks noGrp="1"/>
+            <a:spLocks noGrp="1" noChangeArrowheads="1"/>
           </p:cNvSpPr>
           <p:nvPr>
             <p:ph idx="1"/>
           </p:nvPr>
         </p:nvSpPr>
-        <p:spPr/>
+        <p:spPr bwMode="auto">
+          <a:xfrm>
+            <a:off x="637674" y="1410583"/>
+            <a:ext cx="10010199" cy="4801314"/>
+          </a:xfrm>
+          <a:prstGeom prst="rect">
+            <a:avLst/>
+          </a:prstGeom>
+          <a:noFill/>
+          <a:ln>
+            <a:noFill/>
+          </a:ln>
+          <a:effectLst/>
+          <a:extLst>
+            <a:ext uri="{909E8E84-426E-40DD-AFC4-6F175D3DCCD1}">
+              <a14:hiddenFill xmlns:a14="http://schemas.microsoft.com/office/drawing/2010/main">
+                <a:solidFill>
+                  <a:schemeClr val="accent1"/>
+                </a:solidFill>
+              </a14:hiddenFill>
+            </a:ext>
+            <a:ext uri="{91240B29-F687-4F45-9708-019B960494DF}">
+              <a14:hiddenLine xmlns:a14="http://schemas.microsoft.com/office/drawing/2010/main" w="9525">
+                <a:solidFill>
+                  <a:schemeClr val="tx1"/>
+                </a:solidFill>
+                <a:miter lim="800000"/>
+                <a:headEnd/>
+                <a:tailEnd/>
+              </a14:hiddenLine>
+            </a:ext>
+            <a:ext uri="{AF507438-7753-43E0-B8FC-AC1667EBCBE1}">
+              <a14:hiddenEffects xmlns:a14="http://schemas.microsoft.com/office/drawing/2010/main">
+                <a:effectLst>
+                  <a:outerShdw dist="35921" dir="2700000" algn="ctr" rotWithShape="0">
+                    <a:schemeClr val="bg2"/>
+                  </a:outerShdw>
+                </a:effectLst>
+              </a14:hiddenEffects>
+            </a:ext>
+          </a:extLst>
+        </p:spPr>
         <p:txBody>
-          <a:bodyPr/>
+          <a:bodyPr vert="horz" wrap="square" lIns="91440" tIns="45720" rIns="91440" bIns="45720" numCol="1" anchor="ctr" anchorCtr="0" compatLnSpc="1">
+            <a:prstTxWarp prst="textNoShape">
+              <a:avLst/>
+            </a:prstTxWarp>
+            <a:spAutoFit/>
+          </a:bodyPr>
           <a:lstStyle/>
           <a:p>
-            <a:endParaRPr lang="en-US"/>
+            <a:pPr marL="0" marR="0" lvl="0" indent="0" algn="l" defTabSz="914400" rtl="0" eaLnBrk="0" fontAlgn="base" latinLnBrk="0" hangingPunct="0">
+              <a:lnSpc>
+                <a:spcPct val="100000"/>
+              </a:lnSpc>
+              <a:spcBef>
+                <a:spcPct val="0"/>
+              </a:spcBef>
+              <a:spcAft>
+                <a:spcPct val="0"/>
+              </a:spcAft>
+              <a:buClrTx/>
+              <a:buSzTx/>
+              <a:buNone/>
+              <a:tabLst/>
+            </a:pPr>
+            <a:r>
+              <a:rPr kumimoji="0" lang="en-US" altLang="en-US" sz="2400" b="1" i="0" u="none" strike="noStrike" cap="none" normalizeH="0" baseline="0" dirty="0" err="1">
+                <a:ln>
+                  <a:noFill/>
+                </a:ln>
+                <a:solidFill>
+                  <a:schemeClr val="tx1"/>
+                </a:solidFill>
+                <a:effectLst/>
+                <a:latin typeface="+mj-lt"/>
+              </a:rPr>
+              <a:t>Rezultate</a:t>
+            </a:r>
+            <a:r>
+              <a:rPr kumimoji="0" lang="en-US" altLang="en-US" sz="2400" b="1" i="0" u="none" strike="noStrike" cap="none" normalizeH="0" baseline="0" dirty="0">
+                <a:ln>
+                  <a:noFill/>
+                </a:ln>
+                <a:solidFill>
+                  <a:schemeClr val="tx1"/>
+                </a:solidFill>
+                <a:effectLst/>
+                <a:latin typeface="+mj-lt"/>
+              </a:rPr>
+              <a:t>:</a:t>
+            </a:r>
+            <a:endParaRPr kumimoji="0" lang="ro-RO" altLang="en-US" sz="2400" b="1" i="0" u="none" strike="noStrike" cap="none" normalizeH="0" baseline="0" dirty="0">
+              <a:ln>
+                <a:noFill/>
+              </a:ln>
+              <a:solidFill>
+                <a:schemeClr val="tx1"/>
+              </a:solidFill>
+              <a:effectLst/>
+              <a:latin typeface="+mj-lt"/>
+            </a:endParaRPr>
+          </a:p>
+          <a:p>
+            <a:pPr marL="0" marR="0" lvl="0" indent="0" algn="l" defTabSz="914400" rtl="0" eaLnBrk="0" fontAlgn="base" latinLnBrk="0" hangingPunct="0">
+              <a:lnSpc>
+                <a:spcPct val="100000"/>
+              </a:lnSpc>
+              <a:spcBef>
+                <a:spcPct val="0"/>
+              </a:spcBef>
+              <a:spcAft>
+                <a:spcPct val="0"/>
+              </a:spcAft>
+              <a:buClrTx/>
+              <a:buSzTx/>
+              <a:buFontTx/>
+              <a:buChar char="•"/>
+              <a:tabLst/>
+            </a:pPr>
+            <a:endParaRPr kumimoji="0" lang="en-US" altLang="en-US" sz="1800" b="0" i="0" u="none" strike="noStrike" cap="none" normalizeH="0" baseline="0" dirty="0">
+              <a:ln>
+                <a:noFill/>
+              </a:ln>
+              <a:solidFill>
+                <a:schemeClr val="tx1"/>
+              </a:solidFill>
+              <a:effectLst/>
+              <a:latin typeface="+mj-lt"/>
+            </a:endParaRPr>
+          </a:p>
+          <a:p>
+            <a:pPr marR="0" lvl="0" algn="l" defTabSz="914400" rtl="0" eaLnBrk="0" fontAlgn="base" latinLnBrk="0" hangingPunct="0">
+              <a:lnSpc>
+                <a:spcPct val="100000"/>
+              </a:lnSpc>
+              <a:spcBef>
+                <a:spcPct val="0"/>
+              </a:spcBef>
+              <a:spcAft>
+                <a:spcPct val="0"/>
+              </a:spcAft>
+              <a:buClrTx/>
+              <a:buSzTx/>
+              <a:buFont typeface="Wingdings" panose="05000000000000000000" pitchFamily="2" charset="2"/>
+              <a:buChar char="q"/>
+              <a:tabLst/>
+            </a:pPr>
+            <a:r>
+              <a:rPr kumimoji="0" lang="en-US" altLang="en-US" sz="1800" i="0" u="none" strike="noStrike" cap="none" normalizeH="0" baseline="0" dirty="0" err="1">
+                <a:ln>
+                  <a:noFill/>
+                </a:ln>
+                <a:solidFill>
+                  <a:schemeClr val="tx1"/>
+                </a:solidFill>
+                <a:effectLst/>
+                <a:latin typeface="+mj-lt"/>
+              </a:rPr>
+              <a:t>Factori</a:t>
+            </a:r>
+            <a:r>
+              <a:rPr kumimoji="0" lang="en-US" altLang="en-US" sz="1800" i="0" u="none" strike="noStrike" cap="none" normalizeH="0" baseline="0" dirty="0">
+                <a:ln>
+                  <a:noFill/>
+                </a:ln>
+                <a:solidFill>
+                  <a:schemeClr val="tx1"/>
+                </a:solidFill>
+                <a:effectLst/>
+                <a:latin typeface="+mj-lt"/>
+              </a:rPr>
+              <a:t> </a:t>
+            </a:r>
+            <a:r>
+              <a:rPr kumimoji="0" lang="en-US" altLang="en-US" sz="1800" i="0" u="none" strike="noStrike" cap="none" normalizeH="0" baseline="0" dirty="0" err="1">
+                <a:ln>
+                  <a:noFill/>
+                </a:ln>
+                <a:solidFill>
+                  <a:schemeClr val="tx1"/>
+                </a:solidFill>
+                <a:effectLst/>
+                <a:latin typeface="+mj-lt"/>
+              </a:rPr>
+              <a:t>cheie</a:t>
+            </a:r>
+            <a:r>
+              <a:rPr kumimoji="0" lang="en-US" altLang="en-US" sz="1800" i="0" u="none" strike="noStrike" cap="none" normalizeH="0" baseline="0" dirty="0">
+                <a:ln>
+                  <a:noFill/>
+                </a:ln>
+                <a:solidFill>
+                  <a:schemeClr val="tx1"/>
+                </a:solidFill>
+                <a:effectLst/>
+                <a:latin typeface="+mj-lt"/>
+              </a:rPr>
+              <a:t>: </a:t>
+            </a:r>
+            <a:r>
+              <a:rPr kumimoji="0" lang="en-US" altLang="en-US" sz="1800" i="0" u="none" strike="noStrike" cap="none" normalizeH="0" baseline="0" dirty="0" err="1">
+                <a:ln>
+                  <a:noFill/>
+                </a:ln>
+                <a:solidFill>
+                  <a:schemeClr val="tx1"/>
+                </a:solidFill>
+                <a:effectLst/>
+                <a:latin typeface="+mj-lt"/>
+              </a:rPr>
+              <a:t>Frecvența</a:t>
+            </a:r>
+            <a:r>
+              <a:rPr kumimoji="0" lang="en-US" altLang="en-US" sz="1800" i="0" u="none" strike="noStrike" cap="none" normalizeH="0" baseline="0" dirty="0">
+                <a:ln>
+                  <a:noFill/>
+                </a:ln>
+                <a:solidFill>
+                  <a:schemeClr val="tx1"/>
+                </a:solidFill>
+                <a:effectLst/>
+                <a:latin typeface="+mj-lt"/>
+              </a:rPr>
+              <a:t> </a:t>
+            </a:r>
+            <a:r>
+              <a:rPr kumimoji="0" lang="en-US" altLang="en-US" sz="1800" i="0" u="none" strike="noStrike" cap="none" normalizeH="0" baseline="0" dirty="0" err="1">
+                <a:ln>
+                  <a:noFill/>
+                </a:ln>
+                <a:solidFill>
+                  <a:schemeClr val="tx1"/>
+                </a:solidFill>
+                <a:effectLst/>
+                <a:latin typeface="+mj-lt"/>
+              </a:rPr>
+              <a:t>călătoriilor</a:t>
+            </a:r>
+            <a:r>
+              <a:rPr kumimoji="0" lang="en-US" altLang="en-US" sz="1800" i="0" u="none" strike="noStrike" cap="none" normalizeH="0" baseline="0" dirty="0">
+                <a:ln>
+                  <a:noFill/>
+                </a:ln>
+                <a:solidFill>
+                  <a:schemeClr val="tx1"/>
+                </a:solidFill>
+                <a:effectLst/>
+                <a:latin typeface="+mj-lt"/>
+              </a:rPr>
+              <a:t> </a:t>
+            </a:r>
+            <a:r>
+              <a:rPr kumimoji="0" lang="en-US" altLang="en-US" sz="1800" i="0" u="none" strike="noStrike" cap="none" normalizeH="0" baseline="0" dirty="0" err="1">
+                <a:ln>
+                  <a:noFill/>
+                </a:ln>
+                <a:solidFill>
+                  <a:schemeClr val="tx1"/>
+                </a:solidFill>
+                <a:effectLst/>
+                <a:latin typeface="+mj-lt"/>
+              </a:rPr>
+              <a:t>aeriene</a:t>
+            </a:r>
+            <a:r>
+              <a:rPr kumimoji="0" lang="en-US" altLang="en-US" sz="1800" i="0" u="none" strike="noStrike" cap="none" normalizeH="0" baseline="0" dirty="0">
+                <a:ln>
+                  <a:noFill/>
+                </a:ln>
+                <a:solidFill>
+                  <a:schemeClr val="tx1"/>
+                </a:solidFill>
+                <a:effectLst/>
+                <a:latin typeface="+mj-lt"/>
+              </a:rPr>
+              <a:t>, </a:t>
+            </a:r>
+            <a:r>
+              <a:rPr kumimoji="0" lang="en-US" altLang="en-US" sz="1800" i="0" u="none" strike="noStrike" cap="none" normalizeH="0" baseline="0" dirty="0" err="1">
+                <a:ln>
+                  <a:noFill/>
+                </a:ln>
+                <a:solidFill>
+                  <a:schemeClr val="tx1"/>
+                </a:solidFill>
+                <a:effectLst/>
+                <a:latin typeface="+mj-lt"/>
+              </a:rPr>
+              <a:t>tipul</a:t>
+            </a:r>
+            <a:r>
+              <a:rPr kumimoji="0" lang="en-US" altLang="en-US" sz="1800" i="0" u="none" strike="noStrike" cap="none" normalizeH="0" baseline="0" dirty="0">
+                <a:ln>
+                  <a:noFill/>
+                </a:ln>
+                <a:solidFill>
+                  <a:schemeClr val="tx1"/>
+                </a:solidFill>
+                <a:effectLst/>
+                <a:latin typeface="+mj-lt"/>
+              </a:rPr>
+              <a:t> </a:t>
+            </a:r>
+            <a:r>
+              <a:rPr kumimoji="0" lang="en-US" altLang="en-US" sz="1800" i="0" u="none" strike="noStrike" cap="none" normalizeH="0" baseline="0" dirty="0" err="1">
+                <a:ln>
+                  <a:noFill/>
+                </a:ln>
+                <a:solidFill>
+                  <a:schemeClr val="tx1"/>
+                </a:solidFill>
+                <a:effectLst/>
+                <a:latin typeface="+mj-lt"/>
+              </a:rPr>
+              <a:t>corpului</a:t>
+            </a:r>
+            <a:r>
+              <a:rPr kumimoji="0" lang="en-US" altLang="en-US" sz="1800" i="0" u="none" strike="noStrike" cap="none" normalizeH="0" baseline="0" dirty="0">
+                <a:ln>
+                  <a:noFill/>
+                </a:ln>
+                <a:solidFill>
+                  <a:schemeClr val="tx1"/>
+                </a:solidFill>
+                <a:effectLst/>
+                <a:latin typeface="+mj-lt"/>
+              </a:rPr>
+              <a:t>, </a:t>
+            </a:r>
+            <a:r>
+              <a:rPr kumimoji="0" lang="en-US" altLang="en-US" sz="1800" i="0" u="none" strike="noStrike" cap="none" normalizeH="0" baseline="0" dirty="0" err="1">
+                <a:ln>
+                  <a:noFill/>
+                </a:ln>
+                <a:solidFill>
+                  <a:schemeClr val="tx1"/>
+                </a:solidFill>
+                <a:effectLst/>
+                <a:latin typeface="+mj-lt"/>
+              </a:rPr>
+              <a:t>distanța</a:t>
+            </a:r>
+            <a:r>
+              <a:rPr kumimoji="0" lang="en-US" altLang="en-US" sz="1800" i="0" u="none" strike="noStrike" cap="none" normalizeH="0" baseline="0" dirty="0">
+                <a:ln>
+                  <a:noFill/>
+                </a:ln>
+                <a:solidFill>
+                  <a:schemeClr val="tx1"/>
+                </a:solidFill>
+                <a:effectLst/>
+                <a:latin typeface="+mj-lt"/>
+              </a:rPr>
+              <a:t> </a:t>
+            </a:r>
+            <a:r>
+              <a:rPr kumimoji="0" lang="en-US" altLang="en-US" sz="1800" i="0" u="none" strike="noStrike" cap="none" normalizeH="0" baseline="0" dirty="0" err="1">
+                <a:ln>
+                  <a:noFill/>
+                </a:ln>
+                <a:solidFill>
+                  <a:schemeClr val="tx1"/>
+                </a:solidFill>
+                <a:effectLst/>
+                <a:latin typeface="+mj-lt"/>
+              </a:rPr>
+              <a:t>parcursă</a:t>
+            </a:r>
+            <a:r>
+              <a:rPr kumimoji="0" lang="en-US" altLang="en-US" sz="1800" i="0" u="none" strike="noStrike" cap="none" normalizeH="0" baseline="0" dirty="0">
+                <a:ln>
+                  <a:noFill/>
+                </a:ln>
+                <a:solidFill>
+                  <a:schemeClr val="tx1"/>
+                </a:solidFill>
+                <a:effectLst/>
+                <a:latin typeface="+mj-lt"/>
+              </a:rPr>
+              <a:t> pe </a:t>
+            </a:r>
+            <a:r>
+              <a:rPr kumimoji="0" lang="en-US" altLang="en-US" sz="1800" i="0" u="none" strike="noStrike" cap="none" normalizeH="0" baseline="0" dirty="0" err="1">
+                <a:ln>
+                  <a:noFill/>
+                </a:ln>
+                <a:solidFill>
+                  <a:schemeClr val="tx1"/>
+                </a:solidFill>
+                <a:effectLst/>
+                <a:latin typeface="+mj-lt"/>
+              </a:rPr>
+              <a:t>lună</a:t>
+            </a:r>
+            <a:r>
+              <a:rPr kumimoji="0" lang="en-US" altLang="en-US" sz="1800" i="0" u="none" strike="noStrike" cap="none" normalizeH="0" baseline="0" dirty="0">
+                <a:ln>
+                  <a:noFill/>
+                </a:ln>
+                <a:solidFill>
+                  <a:schemeClr val="tx1"/>
+                </a:solidFill>
+                <a:effectLst/>
+                <a:latin typeface="+mj-lt"/>
+              </a:rPr>
+              <a:t>.</a:t>
+            </a:r>
+            <a:endParaRPr kumimoji="0" lang="ro-RO" altLang="en-US" sz="1800" i="0" u="none" strike="noStrike" cap="none" normalizeH="0" baseline="0" dirty="0">
+              <a:ln>
+                <a:noFill/>
+              </a:ln>
+              <a:solidFill>
+                <a:schemeClr val="tx1"/>
+              </a:solidFill>
+              <a:effectLst/>
+              <a:latin typeface="+mj-lt"/>
+            </a:endParaRPr>
+          </a:p>
+          <a:p>
+            <a:pPr marR="0" lvl="0" algn="l" defTabSz="914400" rtl="0" eaLnBrk="0" fontAlgn="base" latinLnBrk="0" hangingPunct="0">
+              <a:lnSpc>
+                <a:spcPct val="100000"/>
+              </a:lnSpc>
+              <a:spcBef>
+                <a:spcPct val="0"/>
+              </a:spcBef>
+              <a:spcAft>
+                <a:spcPct val="0"/>
+              </a:spcAft>
+              <a:buClrTx/>
+              <a:buSzTx/>
+              <a:buFont typeface="Wingdings" panose="05000000000000000000" pitchFamily="2" charset="2"/>
+              <a:buChar char="q"/>
+              <a:tabLst/>
+            </a:pPr>
+            <a:r>
+              <a:rPr kumimoji="0" lang="en-US" altLang="en-US" sz="1800" i="0" u="none" strike="noStrike" cap="none" normalizeH="0" baseline="0" dirty="0" err="1">
+                <a:ln>
+                  <a:noFill/>
+                </a:ln>
+                <a:solidFill>
+                  <a:schemeClr val="tx1"/>
+                </a:solidFill>
+                <a:effectLst/>
+                <a:latin typeface="+mj-lt"/>
+              </a:rPr>
+              <a:t>Factori</a:t>
+            </a:r>
+            <a:r>
+              <a:rPr kumimoji="0" lang="en-US" altLang="en-US" sz="1800" i="0" u="none" strike="noStrike" cap="none" normalizeH="0" baseline="0" dirty="0">
+                <a:ln>
+                  <a:noFill/>
+                </a:ln>
+                <a:solidFill>
+                  <a:schemeClr val="tx1"/>
+                </a:solidFill>
+                <a:effectLst/>
+                <a:latin typeface="+mj-lt"/>
+              </a:rPr>
+              <a:t> </a:t>
+            </a:r>
+            <a:r>
+              <a:rPr kumimoji="0" lang="en-US" altLang="en-US" sz="1800" i="0" u="none" strike="noStrike" cap="none" normalizeH="0" baseline="0" dirty="0" err="1">
+                <a:ln>
+                  <a:noFill/>
+                </a:ln>
+                <a:solidFill>
+                  <a:schemeClr val="tx1"/>
+                </a:solidFill>
+                <a:effectLst/>
+                <a:latin typeface="+mj-lt"/>
+              </a:rPr>
+              <a:t>mai</a:t>
+            </a:r>
+            <a:r>
+              <a:rPr kumimoji="0" lang="en-US" altLang="en-US" sz="1800" i="0" u="none" strike="noStrike" cap="none" normalizeH="0" baseline="0" dirty="0">
+                <a:ln>
+                  <a:noFill/>
+                </a:ln>
+                <a:solidFill>
+                  <a:schemeClr val="tx1"/>
+                </a:solidFill>
+                <a:effectLst/>
+                <a:latin typeface="+mj-lt"/>
+              </a:rPr>
+              <a:t> </a:t>
+            </a:r>
+            <a:r>
+              <a:rPr kumimoji="0" lang="en-US" altLang="en-US" sz="1800" i="0" u="none" strike="noStrike" cap="none" normalizeH="0" baseline="0" dirty="0" err="1">
+                <a:ln>
+                  <a:noFill/>
+                </a:ln>
+                <a:solidFill>
+                  <a:schemeClr val="tx1"/>
+                </a:solidFill>
+                <a:effectLst/>
+                <a:latin typeface="+mj-lt"/>
+              </a:rPr>
+              <a:t>puțin</a:t>
+            </a:r>
+            <a:r>
+              <a:rPr kumimoji="0" lang="en-US" altLang="en-US" sz="1800" i="0" u="none" strike="noStrike" cap="none" normalizeH="0" baseline="0" dirty="0">
+                <a:ln>
+                  <a:noFill/>
+                </a:ln>
+                <a:solidFill>
+                  <a:schemeClr val="tx1"/>
+                </a:solidFill>
+                <a:effectLst/>
+                <a:latin typeface="+mj-lt"/>
+              </a:rPr>
+              <a:t> </a:t>
+            </a:r>
+            <a:r>
+              <a:rPr kumimoji="0" lang="en-US" altLang="en-US" sz="1800" i="0" u="none" strike="noStrike" cap="none" normalizeH="0" baseline="0" dirty="0" err="1">
+                <a:ln>
+                  <a:noFill/>
+                </a:ln>
+                <a:solidFill>
+                  <a:schemeClr val="tx1"/>
+                </a:solidFill>
+                <a:effectLst/>
+                <a:latin typeface="+mj-lt"/>
+              </a:rPr>
+              <a:t>relevanți</a:t>
+            </a:r>
+            <a:r>
+              <a:rPr kumimoji="0" lang="en-US" altLang="en-US" sz="1800" i="0" u="none" strike="noStrike" cap="none" normalizeH="0" baseline="0" dirty="0">
+                <a:ln>
+                  <a:noFill/>
+                </a:ln>
+                <a:solidFill>
+                  <a:schemeClr val="tx1"/>
+                </a:solidFill>
+                <a:effectLst/>
+                <a:latin typeface="+mj-lt"/>
+              </a:rPr>
+              <a:t>: </a:t>
+            </a:r>
+            <a:r>
+              <a:rPr kumimoji="0" lang="en-US" altLang="en-US" sz="1800" i="0" u="none" strike="noStrike" cap="none" normalizeH="0" baseline="0" dirty="0" err="1">
+                <a:ln>
+                  <a:noFill/>
+                </a:ln>
+                <a:solidFill>
+                  <a:schemeClr val="tx1"/>
+                </a:solidFill>
+                <a:effectLst/>
+                <a:latin typeface="+mj-lt"/>
+              </a:rPr>
+              <a:t>Sexul</a:t>
+            </a:r>
+            <a:r>
+              <a:rPr kumimoji="0" lang="en-US" altLang="en-US" sz="1800" i="0" u="none" strike="noStrike" cap="none" normalizeH="0" baseline="0" dirty="0">
+                <a:ln>
+                  <a:noFill/>
+                </a:ln>
+                <a:solidFill>
+                  <a:schemeClr val="tx1"/>
+                </a:solidFill>
+                <a:effectLst/>
+                <a:latin typeface="+mj-lt"/>
+              </a:rPr>
+              <a:t>, </a:t>
+            </a:r>
+            <a:r>
+              <a:rPr kumimoji="0" lang="en-US" altLang="en-US" sz="1800" i="0" u="none" strike="noStrike" cap="none" normalizeH="0" baseline="0" dirty="0" err="1">
+                <a:ln>
+                  <a:noFill/>
+                </a:ln>
+                <a:solidFill>
+                  <a:schemeClr val="tx1"/>
+                </a:solidFill>
+                <a:effectLst/>
+                <a:latin typeface="+mj-lt"/>
+              </a:rPr>
+              <a:t>tipul</a:t>
+            </a:r>
+            <a:r>
+              <a:rPr kumimoji="0" lang="en-US" altLang="en-US" sz="1800" i="0" u="none" strike="noStrike" cap="none" normalizeH="0" baseline="0" dirty="0">
+                <a:ln>
+                  <a:noFill/>
+                </a:ln>
+                <a:solidFill>
+                  <a:schemeClr val="tx1"/>
+                </a:solidFill>
+                <a:effectLst/>
+                <a:latin typeface="+mj-lt"/>
+              </a:rPr>
+              <a:t> </a:t>
+            </a:r>
+            <a:r>
+              <a:rPr kumimoji="0" lang="en-US" altLang="en-US" sz="1800" i="0" u="none" strike="noStrike" cap="none" normalizeH="0" baseline="0" dirty="0" err="1">
+                <a:ln>
+                  <a:noFill/>
+                </a:ln>
+                <a:solidFill>
+                  <a:schemeClr val="tx1"/>
+                </a:solidFill>
+                <a:effectLst/>
+                <a:latin typeface="+mj-lt"/>
+              </a:rPr>
+              <a:t>vehiculului</a:t>
+            </a:r>
+            <a:r>
+              <a:rPr kumimoji="0" lang="en-US" altLang="en-US" sz="1800" i="0" u="none" strike="noStrike" cap="none" normalizeH="0" baseline="0" dirty="0">
+                <a:ln>
+                  <a:noFill/>
+                </a:ln>
+                <a:solidFill>
+                  <a:schemeClr val="tx1"/>
+                </a:solidFill>
+                <a:effectLst/>
+                <a:latin typeface="+mj-lt"/>
+              </a:rPr>
+              <a:t>, </a:t>
+            </a:r>
+            <a:r>
+              <a:rPr kumimoji="0" lang="en-US" altLang="en-US" sz="1800" i="0" u="none" strike="noStrike" cap="none" normalizeH="0" baseline="0" dirty="0" err="1">
+                <a:ln>
+                  <a:noFill/>
+                </a:ln>
+                <a:solidFill>
+                  <a:schemeClr val="tx1"/>
+                </a:solidFill>
+                <a:effectLst/>
+                <a:latin typeface="+mj-lt"/>
+              </a:rPr>
+              <a:t>dimensiunea</a:t>
+            </a:r>
+            <a:r>
+              <a:rPr kumimoji="0" lang="en-US" altLang="en-US" sz="1800" i="0" u="none" strike="noStrike" cap="none" normalizeH="0" baseline="0" dirty="0">
+                <a:ln>
+                  <a:noFill/>
+                </a:ln>
+                <a:solidFill>
+                  <a:schemeClr val="tx1"/>
+                </a:solidFill>
+                <a:effectLst/>
+                <a:latin typeface="+mj-lt"/>
+              </a:rPr>
+              <a:t> </a:t>
+            </a:r>
+            <a:r>
+              <a:rPr kumimoji="0" lang="en-US" altLang="en-US" sz="1800" i="0" u="none" strike="noStrike" cap="none" normalizeH="0" baseline="0" dirty="0" err="1">
+                <a:ln>
+                  <a:noFill/>
+                </a:ln>
+                <a:solidFill>
+                  <a:schemeClr val="tx1"/>
+                </a:solidFill>
+                <a:effectLst/>
+                <a:latin typeface="+mj-lt"/>
+              </a:rPr>
+              <a:t>sacului</a:t>
+            </a:r>
+            <a:r>
+              <a:rPr kumimoji="0" lang="en-US" altLang="en-US" sz="1800" i="0" u="none" strike="noStrike" cap="none" normalizeH="0" baseline="0" dirty="0">
+                <a:ln>
+                  <a:noFill/>
+                </a:ln>
+                <a:solidFill>
+                  <a:schemeClr val="tx1"/>
+                </a:solidFill>
+                <a:effectLst/>
+                <a:latin typeface="+mj-lt"/>
+              </a:rPr>
+              <a:t> de </a:t>
+            </a:r>
+            <a:r>
+              <a:rPr kumimoji="0" lang="en-US" altLang="en-US" sz="1800" i="0" u="none" strike="noStrike" cap="none" normalizeH="0" baseline="0" dirty="0" err="1">
+                <a:ln>
+                  <a:noFill/>
+                </a:ln>
+                <a:solidFill>
+                  <a:schemeClr val="tx1"/>
+                </a:solidFill>
+                <a:effectLst/>
+                <a:latin typeface="+mj-lt"/>
+              </a:rPr>
+              <a:t>gunoi</a:t>
+            </a:r>
+            <a:r>
+              <a:rPr kumimoji="0" lang="en-US" altLang="en-US" sz="1800" i="0" u="none" strike="noStrike" cap="none" normalizeH="0" baseline="0" dirty="0">
+                <a:ln>
+                  <a:noFill/>
+                </a:ln>
+                <a:solidFill>
+                  <a:schemeClr val="tx1"/>
+                </a:solidFill>
+                <a:effectLst/>
+                <a:latin typeface="+mj-lt"/>
+              </a:rPr>
+              <a:t>.</a:t>
+            </a:r>
+          </a:p>
+          <a:p>
+            <a:pPr marR="0" lvl="0" algn="l" defTabSz="914400" rtl="0" eaLnBrk="0" fontAlgn="base" latinLnBrk="0" hangingPunct="0">
+              <a:lnSpc>
+                <a:spcPct val="100000"/>
+              </a:lnSpc>
+              <a:spcBef>
+                <a:spcPct val="0"/>
+              </a:spcBef>
+              <a:spcAft>
+                <a:spcPct val="0"/>
+              </a:spcAft>
+              <a:buClrTx/>
+              <a:buSzTx/>
+              <a:buFont typeface="Wingdings" panose="05000000000000000000" pitchFamily="2" charset="2"/>
+              <a:buChar char="q"/>
+              <a:tabLst/>
+            </a:pPr>
+            <a:r>
+              <a:rPr kumimoji="0" lang="en-US" altLang="en-US" sz="1800" i="0" u="none" strike="noStrike" cap="none" normalizeH="0" baseline="0" dirty="0" err="1">
+                <a:ln>
+                  <a:noFill/>
+                </a:ln>
+                <a:solidFill>
+                  <a:schemeClr val="tx1"/>
+                </a:solidFill>
+                <a:effectLst/>
+                <a:latin typeface="+mj-lt"/>
+              </a:rPr>
+              <a:t>Performanță</a:t>
+            </a:r>
+            <a:r>
+              <a:rPr kumimoji="0" lang="en-US" altLang="en-US" sz="1800" i="0" u="none" strike="noStrike" cap="none" normalizeH="0" baseline="0" dirty="0">
+                <a:ln>
+                  <a:noFill/>
+                </a:ln>
+                <a:solidFill>
+                  <a:schemeClr val="tx1"/>
+                </a:solidFill>
+                <a:effectLst/>
+                <a:latin typeface="+mj-lt"/>
+              </a:rPr>
+              <a:t> model: Random Forest cu </a:t>
+            </a:r>
+            <a:r>
+              <a:rPr kumimoji="0" lang="en-US" altLang="en-US" sz="1800" i="0" u="none" strike="noStrike" cap="none" normalizeH="0" baseline="0" dirty="0" err="1">
+                <a:ln>
+                  <a:noFill/>
+                </a:ln>
+                <a:solidFill>
+                  <a:schemeClr val="tx1"/>
+                </a:solidFill>
+                <a:effectLst/>
+                <a:latin typeface="+mj-lt"/>
+              </a:rPr>
+              <a:t>cea</a:t>
+            </a:r>
+            <a:r>
+              <a:rPr kumimoji="0" lang="en-US" altLang="en-US" sz="1800" i="0" u="none" strike="noStrike" cap="none" normalizeH="0" baseline="0" dirty="0">
+                <a:ln>
+                  <a:noFill/>
+                </a:ln>
+                <a:solidFill>
+                  <a:schemeClr val="tx1"/>
+                </a:solidFill>
+                <a:effectLst/>
+                <a:latin typeface="+mj-lt"/>
+              </a:rPr>
+              <a:t> </a:t>
+            </a:r>
+            <a:r>
+              <a:rPr kumimoji="0" lang="en-US" altLang="en-US" sz="1800" i="0" u="none" strike="noStrike" cap="none" normalizeH="0" baseline="0" dirty="0" err="1">
+                <a:ln>
+                  <a:noFill/>
+                </a:ln>
+                <a:solidFill>
+                  <a:schemeClr val="tx1"/>
+                </a:solidFill>
+                <a:effectLst/>
+                <a:latin typeface="+mj-lt"/>
+              </a:rPr>
+              <a:t>mai</a:t>
+            </a:r>
+            <a:r>
+              <a:rPr kumimoji="0" lang="en-US" altLang="en-US" sz="1800" i="0" u="none" strike="noStrike" cap="none" normalizeH="0" baseline="0" dirty="0">
+                <a:ln>
+                  <a:noFill/>
+                </a:ln>
+                <a:solidFill>
+                  <a:schemeClr val="tx1"/>
+                </a:solidFill>
+                <a:effectLst/>
+                <a:latin typeface="+mj-lt"/>
+              </a:rPr>
+              <a:t> </a:t>
+            </a:r>
+            <a:r>
+              <a:rPr kumimoji="0" lang="en-US" altLang="en-US" sz="1800" i="0" u="none" strike="noStrike" cap="none" normalizeH="0" baseline="0" dirty="0" err="1">
+                <a:ln>
+                  <a:noFill/>
+                </a:ln>
+                <a:solidFill>
+                  <a:schemeClr val="tx1"/>
+                </a:solidFill>
+                <a:effectLst/>
+                <a:latin typeface="+mj-lt"/>
+              </a:rPr>
+              <a:t>mică</a:t>
+            </a:r>
+            <a:r>
+              <a:rPr kumimoji="0" lang="en-US" altLang="en-US" sz="1800" i="0" u="none" strike="noStrike" cap="none" normalizeH="0" baseline="0" dirty="0">
+                <a:ln>
+                  <a:noFill/>
+                </a:ln>
+                <a:solidFill>
+                  <a:schemeClr val="tx1"/>
+                </a:solidFill>
+                <a:effectLst/>
+                <a:latin typeface="+mj-lt"/>
+              </a:rPr>
+              <a:t> </a:t>
+            </a:r>
+            <a:r>
+              <a:rPr kumimoji="0" lang="en-US" altLang="en-US" sz="1800" i="0" u="none" strike="noStrike" cap="none" normalizeH="0" baseline="0" dirty="0" err="1">
+                <a:ln>
+                  <a:noFill/>
+                </a:ln>
+                <a:solidFill>
+                  <a:schemeClr val="tx1"/>
+                </a:solidFill>
+                <a:effectLst/>
+                <a:latin typeface="+mj-lt"/>
+              </a:rPr>
+              <a:t>eroare</a:t>
+            </a:r>
+            <a:r>
+              <a:rPr kumimoji="0" lang="en-US" altLang="en-US" sz="1800" i="0" u="none" strike="noStrike" cap="none" normalizeH="0" baseline="0" dirty="0">
+                <a:ln>
+                  <a:noFill/>
+                </a:ln>
+                <a:solidFill>
+                  <a:schemeClr val="tx1"/>
+                </a:solidFill>
+                <a:effectLst/>
+                <a:latin typeface="+mj-lt"/>
+              </a:rPr>
+              <a:t>.</a:t>
+            </a:r>
+            <a:endParaRPr kumimoji="0" lang="ro-RO" altLang="en-US" sz="1800" i="0" u="none" strike="noStrike" cap="none" normalizeH="0" baseline="0" dirty="0">
+              <a:ln>
+                <a:noFill/>
+              </a:ln>
+              <a:solidFill>
+                <a:schemeClr val="tx1"/>
+              </a:solidFill>
+              <a:effectLst/>
+              <a:latin typeface="+mj-lt"/>
+            </a:endParaRPr>
+          </a:p>
+          <a:p>
+            <a:pPr marL="0" marR="0" lvl="0" indent="0" algn="l" defTabSz="914400" rtl="0" eaLnBrk="0" fontAlgn="base" latinLnBrk="0" hangingPunct="0">
+              <a:lnSpc>
+                <a:spcPct val="100000"/>
+              </a:lnSpc>
+              <a:spcBef>
+                <a:spcPct val="0"/>
+              </a:spcBef>
+              <a:spcAft>
+                <a:spcPct val="0"/>
+              </a:spcAft>
+              <a:buClrTx/>
+              <a:buSzTx/>
+              <a:buFontTx/>
+              <a:buChar char="•"/>
+              <a:tabLst/>
+            </a:pPr>
+            <a:endParaRPr kumimoji="0" lang="en-US" altLang="en-US" sz="2400" b="0" i="0" u="none" strike="noStrike" cap="none" normalizeH="0" baseline="0" dirty="0">
+              <a:ln>
+                <a:noFill/>
+              </a:ln>
+              <a:solidFill>
+                <a:schemeClr val="tx1"/>
+              </a:solidFill>
+              <a:effectLst/>
+              <a:latin typeface="+mj-lt"/>
+            </a:endParaRPr>
+          </a:p>
+          <a:p>
+            <a:pPr marL="0" marR="0" lvl="0" indent="0" algn="l" defTabSz="914400" rtl="0" eaLnBrk="0" fontAlgn="base" latinLnBrk="0" hangingPunct="0">
+              <a:lnSpc>
+                <a:spcPct val="100000"/>
+              </a:lnSpc>
+              <a:spcBef>
+                <a:spcPct val="0"/>
+              </a:spcBef>
+              <a:spcAft>
+                <a:spcPct val="0"/>
+              </a:spcAft>
+              <a:buClrTx/>
+              <a:buSzTx/>
+              <a:buNone/>
+              <a:tabLst/>
+            </a:pPr>
+            <a:r>
+              <a:rPr kumimoji="0" lang="en-US" altLang="en-US" sz="2400" b="1" i="0" u="none" strike="noStrike" cap="none" normalizeH="0" baseline="0" dirty="0" err="1">
+                <a:ln>
+                  <a:noFill/>
+                </a:ln>
+                <a:solidFill>
+                  <a:schemeClr val="tx1"/>
+                </a:solidFill>
+                <a:effectLst/>
+                <a:latin typeface="+mj-lt"/>
+              </a:rPr>
+              <a:t>Concluzii</a:t>
+            </a:r>
+            <a:r>
+              <a:rPr kumimoji="0" lang="en-US" altLang="en-US" sz="2400" b="1" i="0" u="none" strike="noStrike" cap="none" normalizeH="0" baseline="0" dirty="0">
+                <a:ln>
+                  <a:noFill/>
+                </a:ln>
+                <a:solidFill>
+                  <a:schemeClr val="tx1"/>
+                </a:solidFill>
+                <a:effectLst/>
+                <a:latin typeface="+mj-lt"/>
+              </a:rPr>
+              <a:t>:</a:t>
+            </a:r>
+            <a:endParaRPr kumimoji="0" lang="ro-RO" altLang="en-US" sz="2400" b="1" i="0" u="none" strike="noStrike" cap="none" normalizeH="0" baseline="0" dirty="0">
+              <a:ln>
+                <a:noFill/>
+              </a:ln>
+              <a:solidFill>
+                <a:schemeClr val="tx1"/>
+              </a:solidFill>
+              <a:effectLst/>
+              <a:latin typeface="+mj-lt"/>
+            </a:endParaRPr>
+          </a:p>
+          <a:p>
+            <a:pPr marL="0" marR="0" lvl="0" indent="0" algn="l" defTabSz="914400" rtl="0" eaLnBrk="0" fontAlgn="base" latinLnBrk="0" hangingPunct="0">
+              <a:lnSpc>
+                <a:spcPct val="100000"/>
+              </a:lnSpc>
+              <a:spcBef>
+                <a:spcPct val="0"/>
+              </a:spcBef>
+              <a:spcAft>
+                <a:spcPct val="0"/>
+              </a:spcAft>
+              <a:buClrTx/>
+              <a:buSzTx/>
+              <a:buNone/>
+              <a:tabLst/>
+            </a:pPr>
+            <a:endParaRPr kumimoji="0" lang="ro-RO" altLang="en-US" sz="2400" b="1" i="0" u="none" strike="noStrike" cap="none" normalizeH="0" baseline="0" dirty="0">
+              <a:ln>
+                <a:noFill/>
+              </a:ln>
+              <a:solidFill>
+                <a:schemeClr val="tx1"/>
+              </a:solidFill>
+              <a:effectLst/>
+              <a:latin typeface="+mj-lt"/>
+            </a:endParaRPr>
+          </a:p>
+          <a:p>
+            <a:pPr marR="0" lvl="0" algn="l" defTabSz="914400" rtl="0" eaLnBrk="0" fontAlgn="base" latinLnBrk="0" hangingPunct="0">
+              <a:lnSpc>
+                <a:spcPct val="100000"/>
+              </a:lnSpc>
+              <a:spcBef>
+                <a:spcPct val="0"/>
+              </a:spcBef>
+              <a:spcAft>
+                <a:spcPct val="0"/>
+              </a:spcAft>
+              <a:buClrTx/>
+              <a:buSzTx/>
+              <a:buFont typeface="Wingdings" panose="05000000000000000000" pitchFamily="2" charset="2"/>
+              <a:buChar char="q"/>
+              <a:tabLst/>
+            </a:pPr>
+            <a:r>
+              <a:rPr kumimoji="0" lang="en-US" altLang="en-US" sz="1800" b="0" i="0" u="none" strike="noStrike" cap="none" normalizeH="0" baseline="0" dirty="0" err="1">
+                <a:ln>
+                  <a:noFill/>
+                </a:ln>
+                <a:solidFill>
+                  <a:schemeClr val="tx1"/>
+                </a:solidFill>
+                <a:effectLst/>
+                <a:latin typeface="+mj-lt"/>
+              </a:rPr>
+              <a:t>Reducerea</a:t>
+            </a:r>
+            <a:r>
+              <a:rPr kumimoji="0" lang="en-US" altLang="en-US" sz="1800" b="0" i="0" u="none" strike="noStrike" cap="none" normalizeH="0" baseline="0" dirty="0">
+                <a:ln>
+                  <a:noFill/>
+                </a:ln>
+                <a:solidFill>
+                  <a:schemeClr val="tx1"/>
+                </a:solidFill>
+                <a:effectLst/>
+                <a:latin typeface="+mj-lt"/>
+              </a:rPr>
+              <a:t> </a:t>
+            </a:r>
+            <a:r>
+              <a:rPr kumimoji="0" lang="en-US" altLang="en-US" sz="1800" b="0" i="0" u="none" strike="noStrike" cap="none" normalizeH="0" baseline="0" dirty="0" err="1">
+                <a:ln>
+                  <a:noFill/>
+                </a:ln>
+                <a:solidFill>
+                  <a:schemeClr val="tx1"/>
+                </a:solidFill>
+                <a:effectLst/>
+                <a:latin typeface="+mj-lt"/>
+              </a:rPr>
+              <a:t>călătoriilor</a:t>
+            </a:r>
+            <a:r>
+              <a:rPr kumimoji="0" lang="en-US" altLang="en-US" sz="1800" b="0" i="0" u="none" strike="noStrike" cap="none" normalizeH="0" baseline="0" dirty="0">
+                <a:ln>
+                  <a:noFill/>
+                </a:ln>
+                <a:solidFill>
+                  <a:schemeClr val="tx1"/>
+                </a:solidFill>
+                <a:effectLst/>
+                <a:latin typeface="+mj-lt"/>
+              </a:rPr>
+              <a:t> </a:t>
+            </a:r>
+            <a:r>
+              <a:rPr kumimoji="0" lang="en-US" altLang="en-US" sz="1800" b="0" i="0" u="none" strike="noStrike" cap="none" normalizeH="0" baseline="0" dirty="0" err="1">
+                <a:ln>
+                  <a:noFill/>
+                </a:ln>
+                <a:solidFill>
+                  <a:schemeClr val="tx1"/>
+                </a:solidFill>
+                <a:effectLst/>
+                <a:latin typeface="+mj-lt"/>
+              </a:rPr>
+              <a:t>aeriene</a:t>
+            </a:r>
+            <a:r>
+              <a:rPr kumimoji="0" lang="en-US" altLang="en-US" sz="1800" b="0" i="0" u="none" strike="noStrike" cap="none" normalizeH="0" baseline="0" dirty="0">
+                <a:ln>
+                  <a:noFill/>
+                </a:ln>
+                <a:solidFill>
+                  <a:schemeClr val="tx1"/>
+                </a:solidFill>
+                <a:effectLst/>
+                <a:latin typeface="+mj-lt"/>
+              </a:rPr>
+              <a:t>, </a:t>
+            </a:r>
+            <a:r>
+              <a:rPr kumimoji="0" lang="en-US" altLang="en-US" sz="1800" b="0" i="0" u="none" strike="noStrike" cap="none" normalizeH="0" baseline="0" dirty="0" err="1">
+                <a:ln>
+                  <a:noFill/>
+                </a:ln>
+                <a:solidFill>
+                  <a:schemeClr val="tx1"/>
+                </a:solidFill>
+                <a:effectLst/>
+                <a:latin typeface="+mj-lt"/>
+              </a:rPr>
+              <a:t>utilizarea</a:t>
+            </a:r>
+            <a:r>
+              <a:rPr kumimoji="0" lang="en-US" altLang="en-US" sz="1800" b="0" i="0" u="none" strike="noStrike" cap="none" normalizeH="0" baseline="0" dirty="0">
+                <a:ln>
+                  <a:noFill/>
+                </a:ln>
+                <a:solidFill>
+                  <a:schemeClr val="tx1"/>
+                </a:solidFill>
+                <a:effectLst/>
+                <a:latin typeface="+mj-lt"/>
+              </a:rPr>
+              <a:t> </a:t>
+            </a:r>
+            <a:r>
+              <a:rPr kumimoji="0" lang="en-US" altLang="en-US" sz="1800" b="0" i="0" u="none" strike="noStrike" cap="none" normalizeH="0" baseline="0" dirty="0" err="1">
+                <a:ln>
+                  <a:noFill/>
+                </a:ln>
+                <a:solidFill>
+                  <a:schemeClr val="tx1"/>
+                </a:solidFill>
+                <a:effectLst/>
+                <a:latin typeface="+mj-lt"/>
+              </a:rPr>
+              <a:t>vehiculelor</a:t>
+            </a:r>
+            <a:r>
+              <a:rPr kumimoji="0" lang="en-US" altLang="en-US" sz="1800" b="0" i="0" u="none" strike="noStrike" cap="none" normalizeH="0" baseline="0" dirty="0">
+                <a:ln>
+                  <a:noFill/>
+                </a:ln>
+                <a:solidFill>
+                  <a:schemeClr val="tx1"/>
+                </a:solidFill>
+                <a:effectLst/>
+                <a:latin typeface="+mj-lt"/>
+              </a:rPr>
+              <a:t> </a:t>
+            </a:r>
+            <a:r>
+              <a:rPr kumimoji="0" lang="en-US" altLang="en-US" sz="1800" b="0" i="0" u="none" strike="noStrike" cap="none" normalizeH="0" baseline="0" dirty="0" err="1">
+                <a:ln>
+                  <a:noFill/>
+                </a:ln>
+                <a:solidFill>
+                  <a:schemeClr val="tx1"/>
+                </a:solidFill>
+                <a:effectLst/>
+                <a:latin typeface="+mj-lt"/>
+              </a:rPr>
+              <a:t>eficiente</a:t>
+            </a:r>
+            <a:r>
+              <a:rPr kumimoji="0" lang="en-US" altLang="en-US" sz="1800" b="0" i="0" u="none" strike="noStrike" cap="none" normalizeH="0" baseline="0" dirty="0">
+                <a:ln>
+                  <a:noFill/>
+                </a:ln>
+                <a:solidFill>
+                  <a:schemeClr val="tx1"/>
+                </a:solidFill>
+                <a:effectLst/>
+                <a:latin typeface="+mj-lt"/>
+              </a:rPr>
+              <a:t>, </a:t>
+            </a:r>
+            <a:r>
+              <a:rPr kumimoji="0" lang="en-US" altLang="en-US" sz="1800" b="0" i="0" u="none" strike="noStrike" cap="none" normalizeH="0" baseline="0" dirty="0" err="1">
+                <a:ln>
+                  <a:noFill/>
+                </a:ln>
+                <a:solidFill>
+                  <a:schemeClr val="tx1"/>
+                </a:solidFill>
+                <a:effectLst/>
+                <a:latin typeface="+mj-lt"/>
+              </a:rPr>
+              <a:t>minimizarea</a:t>
+            </a:r>
+            <a:r>
+              <a:rPr kumimoji="0" lang="en-US" altLang="en-US" sz="1800" b="0" i="0" u="none" strike="noStrike" cap="none" normalizeH="0" baseline="0" dirty="0">
+                <a:ln>
+                  <a:noFill/>
+                </a:ln>
+                <a:solidFill>
+                  <a:schemeClr val="tx1"/>
+                </a:solidFill>
+                <a:effectLst/>
+                <a:latin typeface="+mj-lt"/>
+              </a:rPr>
+              <a:t> </a:t>
+            </a:r>
+            <a:r>
+              <a:rPr kumimoji="0" lang="en-US" altLang="en-US" sz="1800" b="0" i="0" u="none" strike="noStrike" cap="none" normalizeH="0" baseline="0" dirty="0" err="1">
+                <a:ln>
+                  <a:noFill/>
+                </a:ln>
+                <a:solidFill>
+                  <a:schemeClr val="tx1"/>
+                </a:solidFill>
+                <a:effectLst/>
+                <a:latin typeface="+mj-lt"/>
+              </a:rPr>
+              <a:t>deșeurilor</a:t>
+            </a:r>
+            <a:r>
+              <a:rPr kumimoji="0" lang="en-US" altLang="en-US" sz="1800" b="0" i="0" u="none" strike="noStrike" cap="none" normalizeH="0" baseline="0" dirty="0">
+                <a:ln>
+                  <a:noFill/>
+                </a:ln>
+                <a:solidFill>
+                  <a:schemeClr val="tx1"/>
+                </a:solidFill>
+                <a:effectLst/>
+                <a:latin typeface="+mj-lt"/>
+              </a:rPr>
+              <a:t>.</a:t>
+            </a:r>
+          </a:p>
+          <a:p>
+            <a:pPr marL="0" marR="0" lvl="0" indent="0" algn="l" defTabSz="914400" rtl="0" eaLnBrk="0" fontAlgn="base" latinLnBrk="0" hangingPunct="0">
+              <a:lnSpc>
+                <a:spcPct val="100000"/>
+              </a:lnSpc>
+              <a:spcBef>
+                <a:spcPct val="0"/>
+              </a:spcBef>
+              <a:spcAft>
+                <a:spcPct val="0"/>
+              </a:spcAft>
+              <a:buClrTx/>
+              <a:buSzTx/>
+              <a:buFontTx/>
+              <a:buNone/>
+              <a:tabLst/>
+            </a:pPr>
+            <a:endParaRPr kumimoji="0" lang="ro-RO" altLang="en-US" sz="1800" b="0" i="0" u="none" strike="noStrike" cap="none" normalizeH="0" baseline="0" dirty="0">
+              <a:ln>
+                <a:noFill/>
+              </a:ln>
+              <a:solidFill>
+                <a:schemeClr val="tx1"/>
+              </a:solidFill>
+              <a:effectLst/>
+              <a:latin typeface="+mj-lt"/>
+            </a:endParaRPr>
+          </a:p>
+          <a:p>
+            <a:pPr marL="0" marR="0" lvl="0" indent="0" algn="l" defTabSz="914400" rtl="0" eaLnBrk="0" fontAlgn="base" latinLnBrk="0" hangingPunct="0">
+              <a:lnSpc>
+                <a:spcPct val="100000"/>
+              </a:lnSpc>
+              <a:spcBef>
+                <a:spcPct val="0"/>
+              </a:spcBef>
+              <a:spcAft>
+                <a:spcPct val="0"/>
+              </a:spcAft>
+              <a:buClrTx/>
+              <a:buSzTx/>
+              <a:buFontTx/>
+              <a:buNone/>
+              <a:tabLst/>
+            </a:pPr>
+            <a:endParaRPr lang="ro-RO" altLang="en-US" sz="1800" dirty="0">
+              <a:latin typeface="+mj-lt"/>
+            </a:endParaRPr>
+          </a:p>
+          <a:p>
+            <a:pPr marL="0" marR="0" lvl="0" indent="0" algn="l" defTabSz="914400" rtl="0" eaLnBrk="0" fontAlgn="base" latinLnBrk="0" hangingPunct="0">
+              <a:lnSpc>
+                <a:spcPct val="100000"/>
+              </a:lnSpc>
+              <a:spcBef>
+                <a:spcPct val="0"/>
+              </a:spcBef>
+              <a:spcAft>
+                <a:spcPct val="0"/>
+              </a:spcAft>
+              <a:buClrTx/>
+              <a:buSzTx/>
+              <a:buFontTx/>
+              <a:buNone/>
+              <a:tabLst/>
+            </a:pPr>
+            <a:r>
+              <a:rPr kumimoji="0" lang="ro-RO" altLang="en-US" sz="2400" b="1" i="0" u="none" strike="noStrike" cap="none" normalizeH="0" baseline="0" dirty="0">
+                <a:ln>
+                  <a:noFill/>
+                </a:ln>
+                <a:solidFill>
+                  <a:schemeClr val="tx1"/>
+                </a:solidFill>
+                <a:effectLst/>
+                <a:latin typeface="+mj-lt"/>
+              </a:rPr>
+              <a:t>Cunoștințe noi:</a:t>
+            </a:r>
+          </a:p>
+          <a:p>
+            <a:pPr marL="0" marR="0" lvl="0" indent="0" algn="l" defTabSz="914400" rtl="0" eaLnBrk="0" fontAlgn="base" latinLnBrk="0" hangingPunct="0">
+              <a:lnSpc>
+                <a:spcPct val="100000"/>
+              </a:lnSpc>
+              <a:spcBef>
+                <a:spcPct val="0"/>
+              </a:spcBef>
+              <a:spcAft>
+                <a:spcPct val="0"/>
+              </a:spcAft>
+              <a:buClrTx/>
+              <a:buSzTx/>
+              <a:buFontTx/>
+              <a:buNone/>
+              <a:tabLst/>
+            </a:pPr>
+            <a:endParaRPr kumimoji="0" lang="ro-RO" altLang="en-US" sz="2400" b="1" i="0" u="none" strike="noStrike" cap="none" normalizeH="0" baseline="0" dirty="0">
+              <a:ln>
+                <a:noFill/>
+              </a:ln>
+              <a:solidFill>
+                <a:schemeClr val="tx1"/>
+              </a:solidFill>
+              <a:effectLst/>
+              <a:latin typeface="+mj-lt"/>
+            </a:endParaRPr>
+          </a:p>
+          <a:p>
+            <a:pPr marR="0" lvl="0" algn="l" defTabSz="914400" rtl="0" eaLnBrk="0" fontAlgn="base" latinLnBrk="0" hangingPunct="0">
+              <a:lnSpc>
+                <a:spcPct val="100000"/>
+              </a:lnSpc>
+              <a:spcBef>
+                <a:spcPct val="0"/>
+              </a:spcBef>
+              <a:spcAft>
+                <a:spcPct val="0"/>
+              </a:spcAft>
+              <a:buClrTx/>
+              <a:buSzTx/>
+              <a:buFont typeface="Wingdings" panose="05000000000000000000" pitchFamily="2" charset="2"/>
+              <a:buChar char="q"/>
+              <a:tabLst/>
+            </a:pPr>
+            <a:r>
+              <a:rPr kumimoji="0" lang="en-US" altLang="en-US" sz="1800" b="0" i="0" u="none" strike="noStrike" cap="none" normalizeH="0" baseline="0" dirty="0" err="1">
+                <a:ln>
+                  <a:noFill/>
+                </a:ln>
+                <a:solidFill>
+                  <a:schemeClr val="tx1"/>
+                </a:solidFill>
+                <a:effectLst/>
+                <a:latin typeface="+mj-lt"/>
+              </a:rPr>
+              <a:t>Frecvența</a:t>
+            </a:r>
+            <a:r>
+              <a:rPr kumimoji="0" lang="en-US" altLang="en-US" sz="1800" b="0" i="0" u="none" strike="noStrike" cap="none" normalizeH="0" baseline="0" dirty="0">
+                <a:ln>
+                  <a:noFill/>
+                </a:ln>
+                <a:solidFill>
+                  <a:schemeClr val="tx1"/>
+                </a:solidFill>
+                <a:effectLst/>
+                <a:latin typeface="+mj-lt"/>
+              </a:rPr>
+              <a:t> </a:t>
+            </a:r>
+            <a:r>
+              <a:rPr kumimoji="0" lang="en-US" altLang="en-US" sz="1800" b="0" i="0" u="none" strike="noStrike" cap="none" normalizeH="0" baseline="0" dirty="0" err="1">
+                <a:ln>
+                  <a:noFill/>
+                </a:ln>
+                <a:solidFill>
+                  <a:schemeClr val="tx1"/>
+                </a:solidFill>
+                <a:effectLst/>
+                <a:latin typeface="+mj-lt"/>
+              </a:rPr>
+              <a:t>călătoriilor</a:t>
+            </a:r>
+            <a:r>
+              <a:rPr kumimoji="0" lang="en-US" altLang="en-US" sz="1800" b="0" i="0" u="none" strike="noStrike" cap="none" normalizeH="0" baseline="0" dirty="0">
+                <a:ln>
+                  <a:noFill/>
+                </a:ln>
+                <a:solidFill>
+                  <a:schemeClr val="tx1"/>
+                </a:solidFill>
+                <a:effectLst/>
+                <a:latin typeface="+mj-lt"/>
+              </a:rPr>
+              <a:t> </a:t>
+            </a:r>
+            <a:r>
+              <a:rPr kumimoji="0" lang="en-US" altLang="en-US" sz="1800" b="0" i="0" u="none" strike="noStrike" cap="none" normalizeH="0" baseline="0" dirty="0" err="1">
+                <a:ln>
+                  <a:noFill/>
+                </a:ln>
+                <a:solidFill>
+                  <a:schemeClr val="tx1"/>
+                </a:solidFill>
+                <a:effectLst/>
+                <a:latin typeface="+mj-lt"/>
+              </a:rPr>
+              <a:t>aeriene</a:t>
+            </a:r>
+            <a:r>
+              <a:rPr kumimoji="0" lang="en-US" altLang="en-US" sz="1800" b="0" i="0" u="none" strike="noStrike" cap="none" normalizeH="0" baseline="0" dirty="0">
+                <a:ln>
+                  <a:noFill/>
+                </a:ln>
+                <a:solidFill>
+                  <a:schemeClr val="tx1"/>
+                </a:solidFill>
+                <a:effectLst/>
+                <a:latin typeface="+mj-lt"/>
+              </a:rPr>
+              <a:t> are un impact </a:t>
+            </a:r>
+            <a:r>
+              <a:rPr kumimoji="0" lang="en-US" altLang="en-US" sz="1800" b="0" i="0" u="none" strike="noStrike" cap="none" normalizeH="0" baseline="0" dirty="0" err="1">
+                <a:ln>
+                  <a:noFill/>
+                </a:ln>
+                <a:solidFill>
+                  <a:schemeClr val="tx1"/>
+                </a:solidFill>
+                <a:effectLst/>
+                <a:latin typeface="+mj-lt"/>
+              </a:rPr>
+              <a:t>mult</a:t>
+            </a:r>
+            <a:r>
+              <a:rPr kumimoji="0" lang="en-US" altLang="en-US" sz="1800" b="0" i="0" u="none" strike="noStrike" cap="none" normalizeH="0" baseline="0" dirty="0">
+                <a:ln>
+                  <a:noFill/>
+                </a:ln>
+                <a:solidFill>
+                  <a:schemeClr val="tx1"/>
+                </a:solidFill>
+                <a:effectLst/>
+                <a:latin typeface="+mj-lt"/>
+              </a:rPr>
+              <a:t> </a:t>
+            </a:r>
+            <a:r>
+              <a:rPr kumimoji="0" lang="en-US" altLang="en-US" sz="1800" b="0" i="0" u="none" strike="noStrike" cap="none" normalizeH="0" baseline="0" dirty="0" err="1">
+                <a:ln>
+                  <a:noFill/>
+                </a:ln>
+                <a:solidFill>
+                  <a:schemeClr val="tx1"/>
+                </a:solidFill>
+                <a:effectLst/>
+                <a:latin typeface="+mj-lt"/>
+              </a:rPr>
+              <a:t>mai</a:t>
+            </a:r>
+            <a:r>
+              <a:rPr kumimoji="0" lang="en-US" altLang="en-US" sz="1800" b="0" i="0" u="none" strike="noStrike" cap="none" normalizeH="0" baseline="0" dirty="0">
+                <a:ln>
+                  <a:noFill/>
+                </a:ln>
+                <a:solidFill>
+                  <a:schemeClr val="tx1"/>
+                </a:solidFill>
+                <a:effectLst/>
+                <a:latin typeface="+mj-lt"/>
+              </a:rPr>
+              <a:t> mare </a:t>
+            </a:r>
+            <a:r>
+              <a:rPr kumimoji="0" lang="en-US" altLang="en-US" sz="1800" b="0" i="0" u="none" strike="noStrike" cap="none" normalizeH="0" baseline="0" dirty="0" err="1">
+                <a:ln>
+                  <a:noFill/>
+                </a:ln>
+                <a:solidFill>
+                  <a:schemeClr val="tx1"/>
+                </a:solidFill>
+                <a:effectLst/>
+                <a:latin typeface="+mj-lt"/>
+              </a:rPr>
+              <a:t>decât</a:t>
+            </a:r>
+            <a:r>
+              <a:rPr kumimoji="0" lang="en-US" altLang="en-US" sz="1800" b="0" i="0" u="none" strike="noStrike" cap="none" normalizeH="0" baseline="0" dirty="0">
+                <a:ln>
+                  <a:noFill/>
+                </a:ln>
+                <a:solidFill>
+                  <a:schemeClr val="tx1"/>
+                </a:solidFill>
+                <a:effectLst/>
+                <a:latin typeface="+mj-lt"/>
+              </a:rPr>
+              <a:t> se </a:t>
+            </a:r>
+            <a:r>
+              <a:rPr kumimoji="0" lang="en-US" altLang="en-US" sz="1800" b="0" i="0" u="none" strike="noStrike" cap="none" normalizeH="0" baseline="0" dirty="0" err="1">
+                <a:ln>
+                  <a:noFill/>
+                </a:ln>
+                <a:solidFill>
+                  <a:schemeClr val="tx1"/>
+                </a:solidFill>
+                <a:effectLst/>
+                <a:latin typeface="+mj-lt"/>
+              </a:rPr>
+              <a:t>aștepta</a:t>
+            </a:r>
+            <a:r>
+              <a:rPr kumimoji="0" lang="en-US" altLang="en-US" sz="1800" b="0" i="0" u="none" strike="noStrike" cap="none" normalizeH="0" baseline="0" dirty="0">
+                <a:ln>
+                  <a:noFill/>
+                </a:ln>
+                <a:solidFill>
+                  <a:schemeClr val="tx1"/>
+                </a:solidFill>
+                <a:effectLst/>
+                <a:latin typeface="+mj-lt"/>
+              </a:rPr>
+              <a:t> </a:t>
+            </a:r>
+            <a:r>
+              <a:rPr kumimoji="0" lang="en-US" altLang="en-US" sz="1800" b="0" i="0" u="none" strike="noStrike" cap="none" normalizeH="0" baseline="0" dirty="0" err="1">
+                <a:ln>
+                  <a:noFill/>
+                </a:ln>
+                <a:solidFill>
+                  <a:schemeClr val="tx1"/>
+                </a:solidFill>
+                <a:effectLst/>
+                <a:latin typeface="+mj-lt"/>
+              </a:rPr>
+              <a:t>asupra</a:t>
+            </a:r>
+            <a:r>
+              <a:rPr kumimoji="0" lang="en-US" altLang="en-US" sz="1800" b="0" i="0" u="none" strike="noStrike" cap="none" normalizeH="0" baseline="0" dirty="0">
+                <a:ln>
+                  <a:noFill/>
+                </a:ln>
+                <a:solidFill>
+                  <a:schemeClr val="tx1"/>
+                </a:solidFill>
+                <a:effectLst/>
+                <a:latin typeface="+mj-lt"/>
+              </a:rPr>
+              <a:t> </a:t>
+            </a:r>
+            <a:r>
+              <a:rPr kumimoji="0" lang="en-US" altLang="en-US" sz="1800" b="0" i="0" u="none" strike="noStrike" cap="none" normalizeH="0" baseline="0" dirty="0" err="1">
+                <a:ln>
+                  <a:noFill/>
+                </a:ln>
+                <a:solidFill>
+                  <a:schemeClr val="tx1"/>
+                </a:solidFill>
+                <a:effectLst/>
+                <a:latin typeface="+mj-lt"/>
+              </a:rPr>
+              <a:t>amprentei</a:t>
+            </a:r>
+            <a:r>
+              <a:rPr kumimoji="0" lang="en-US" altLang="en-US" sz="1800" b="0" i="0" u="none" strike="noStrike" cap="none" normalizeH="0" baseline="0" dirty="0">
+                <a:ln>
+                  <a:noFill/>
+                </a:ln>
+                <a:solidFill>
+                  <a:schemeClr val="tx1"/>
+                </a:solidFill>
+                <a:effectLst/>
+                <a:latin typeface="+mj-lt"/>
+              </a:rPr>
+              <a:t> de carbon.</a:t>
+            </a:r>
           </a:p>
         </p:txBody>
       </p:sp>
